--- a/final/doc/presentation.pptx
+++ b/final/doc/presentation.pptx
@@ -2,25 +2,25 @@
 <file path=ppt/presentation.xml><?xml version="1.0" encoding="utf-8"?>
 <p:presentation xmlns:a="http://schemas.openxmlformats.org/drawingml/2006/main" xmlns:r="http://schemas.openxmlformats.org/officeDocument/2006/relationships" xmlns:p="http://schemas.openxmlformats.org/presentationml/2006/main" saveSubsetFonts="1">
   <p:sldMasterIdLst>
-    <p:sldMasterId id="2147483660" r:id="rId1"/>
+    <p:sldMasterId id="2147483672" r:id="rId1"/>
   </p:sldMasterIdLst>
   <p:sldIdLst>
     <p:sldId id="256" r:id="rId2"/>
     <p:sldId id="257" r:id="rId3"/>
-    <p:sldId id="258" r:id="rId4"/>
-    <p:sldId id="259" r:id="rId5"/>
-    <p:sldId id="260" r:id="rId6"/>
-    <p:sldId id="261" r:id="rId7"/>
-    <p:sldId id="262" r:id="rId8"/>
-    <p:sldId id="263" r:id="rId9"/>
-    <p:sldId id="268" r:id="rId10"/>
+    <p:sldId id="259" r:id="rId4"/>
+    <p:sldId id="258" r:id="rId5"/>
+    <p:sldId id="261" r:id="rId6"/>
+    <p:sldId id="262" r:id="rId7"/>
+    <p:sldId id="270" r:id="rId8"/>
+    <p:sldId id="271" r:id="rId9"/>
+    <p:sldId id="263" r:id="rId10"/>
     <p:sldId id="264" r:id="rId11"/>
-    <p:sldId id="269" r:id="rId12"/>
+    <p:sldId id="272" r:id="rId12"/>
     <p:sldId id="265" r:id="rId13"/>
-    <p:sldId id="266" r:id="rId14"/>
-    <p:sldId id="267" r:id="rId15"/>
+    <p:sldId id="273" r:id="rId14"/>
+    <p:sldId id="274" r:id="rId15"/>
   </p:sldIdLst>
-  <p:sldSz cx="12192000" cy="6858000"/>
+  <p:sldSz cx="9144000" cy="6858000" type="screen4x3"/>
   <p:notesSz cx="6858000" cy="9144000"/>
   <p:defaultTextStyle>
     <a:defPPr>
@@ -117,6 +117,11 @@
       </a:defRPr>
     </a:lvl9pPr>
   </p:defaultTextStyle>
+  <p:extLst>
+    <p:ext uri="{EFAFB233-063F-42B5-8137-9DF3F51BA10A}">
+      <p15:sldGuideLst xmlns:p15="http://schemas.microsoft.com/office/powerpoint/2012/main"/>
+    </p:ext>
+  </p:extLst>
 </p:presentation>
 </file>
 
@@ -159,8 +164,8 @@
         </p:nvSpPr>
         <p:spPr>
           <a:xfrm>
-            <a:off x="1261872" y="758952"/>
-            <a:ext cx="9418320" cy="4041648"/>
+            <a:off x="946404" y="758952"/>
+            <a:ext cx="7063740" cy="4041648"/>
           </a:xfrm>
         </p:spPr>
         <p:txBody>
@@ -172,7 +177,7 @@
               <a:lnSpc>
                 <a:spcPct val="85000"/>
               </a:lnSpc>
-              <a:defRPr sz="7200" baseline="0">
+              <a:defRPr sz="6600" baseline="0">
                 <a:solidFill>
                   <a:schemeClr val="tx1"/>
                 </a:solidFill>
@@ -200,8 +205,8 @@
         </p:nvSpPr>
         <p:spPr>
           <a:xfrm>
-            <a:off x="1261872" y="4800600"/>
-            <a:ext cx="9418320" cy="1691640"/>
+            <a:off x="946404" y="4800600"/>
+            <a:ext cx="7063740" cy="1691640"/>
           </a:xfrm>
         </p:spPr>
         <p:txBody>
@@ -211,21 +216,21 @@
           <a:lstStyle>
             <a:lvl1pPr marL="0" indent="0" algn="l">
               <a:buNone/>
-              <a:defRPr sz="2200" baseline="0">
+              <a:defRPr sz="2000" baseline="0">
                 <a:solidFill>
                   <a:schemeClr val="tx1">
-                    <a:lumMod val="75000"/>
+                    <a:lumMod val="85000"/>
                   </a:schemeClr>
                 </a:solidFill>
               </a:defRPr>
             </a:lvl1pPr>
             <a:lvl2pPr marL="457200" indent="0" algn="ctr">
               <a:buNone/>
-              <a:defRPr sz="2200"/>
+              <a:defRPr sz="2000"/>
             </a:lvl2pPr>
             <a:lvl3pPr marL="914400" indent="0" algn="ctr">
               <a:buNone/>
-              <a:defRPr sz="2200"/>
+              <a:defRPr sz="2000"/>
             </a:lvl3pPr>
             <a:lvl4pPr marL="1371600" indent="0" algn="ctr">
               <a:buNone/>
@@ -263,101 +268,6 @@
       </p:sp>
       <p:sp>
         <p:nvSpPr>
-          <p:cNvPr id="4" name="Date Placeholder 3"/>
-          <p:cNvSpPr>
-            <a:spLocks noGrp="1"/>
-          </p:cNvSpPr>
-          <p:nvPr>
-            <p:ph type="dt" sz="half" idx="10"/>
-          </p:nvPr>
-        </p:nvSpPr>
-        <p:spPr/>
-        <p:txBody>
-          <a:bodyPr/>
-          <a:lstStyle>
-            <a:lvl1pPr>
-              <a:defRPr>
-                <a:solidFill>
-                  <a:schemeClr val="tx1">
-                    <a:lumMod val="50000"/>
-                  </a:schemeClr>
-                </a:solidFill>
-              </a:defRPr>
-            </a:lvl1pPr>
-          </a:lstStyle>
-          <a:p>
-            <a:fld id="{489AC9ED-6064-4135-9529-D68E5CE04791}" type="datetimeFigureOut">
-              <a:rPr lang="en-US" smtClean="0"/>
-              <a:t>5/9/2013</a:t>
-            </a:fld>
-            <a:endParaRPr lang="en-US"/>
-          </a:p>
-        </p:txBody>
-      </p:sp>
-      <p:sp>
-        <p:nvSpPr>
-          <p:cNvPr id="5" name="Footer Placeholder 4"/>
-          <p:cNvSpPr>
-            <a:spLocks noGrp="1"/>
-          </p:cNvSpPr>
-          <p:nvPr>
-            <p:ph type="ftr" sz="quarter" idx="11"/>
-          </p:nvPr>
-        </p:nvSpPr>
-        <p:spPr/>
-        <p:txBody>
-          <a:bodyPr/>
-          <a:lstStyle>
-            <a:lvl1pPr>
-              <a:defRPr>
-                <a:solidFill>
-                  <a:schemeClr val="tx1">
-                    <a:lumMod val="65000"/>
-                  </a:schemeClr>
-                </a:solidFill>
-              </a:defRPr>
-            </a:lvl1pPr>
-          </a:lstStyle>
-          <a:p>
-            <a:endParaRPr lang="en-US"/>
-          </a:p>
-        </p:txBody>
-      </p:sp>
-      <p:sp>
-        <p:nvSpPr>
-          <p:cNvPr id="6" name="Slide Number Placeholder 5"/>
-          <p:cNvSpPr>
-            <a:spLocks noGrp="1"/>
-          </p:cNvSpPr>
-          <p:nvPr>
-            <p:ph type="sldNum" sz="quarter" idx="12"/>
-          </p:nvPr>
-        </p:nvSpPr>
-        <p:spPr/>
-        <p:txBody>
-          <a:bodyPr/>
-          <a:lstStyle>
-            <a:lvl1pPr>
-              <a:defRPr>
-                <a:solidFill>
-                  <a:schemeClr val="tx1">
-                    <a:lumMod val="65000"/>
-                  </a:schemeClr>
-                </a:solidFill>
-              </a:defRPr>
-            </a:lvl1pPr>
-          </a:lstStyle>
-          <a:p>
-            <a:fld id="{88651503-0EBA-4770-BC68-18DFE417497C}" type="slidenum">
-              <a:rPr lang="en-US" smtClean="0"/>
-              <a:t>‹#›</a:t>
-            </a:fld>
-            <a:endParaRPr lang="en-US"/>
-          </a:p>
-        </p:txBody>
-      </p:sp>
-      <p:sp>
-        <p:nvSpPr>
           <p:cNvPr id="7" name="Rectangle 6"/>
           <p:cNvSpPr/>
           <p:nvPr/>
@@ -365,7 +275,7 @@
         <p:spPr>
           <a:xfrm>
             <a:off x="0" y="0"/>
-            <a:ext cx="457200" cy="6858000"/>
+            <a:ext cx="342900" cy="6858000"/>
           </a:xfrm>
           <a:prstGeom prst="rect">
             <a:avLst/>
@@ -394,10 +304,108 @@
           </a:fontRef>
         </p:style>
       </p:sp>
+      <p:sp>
+        <p:nvSpPr>
+          <p:cNvPr id="8" name="Date Placeholder 7"/>
+          <p:cNvSpPr>
+            <a:spLocks noGrp="1"/>
+          </p:cNvSpPr>
+          <p:nvPr>
+            <p:ph type="dt" sz="half" idx="10"/>
+          </p:nvPr>
+        </p:nvSpPr>
+        <p:spPr/>
+        <p:txBody>
+          <a:bodyPr/>
+          <a:lstStyle>
+            <a:lvl1pPr>
+              <a:defRPr>
+                <a:solidFill>
+                  <a:schemeClr val="bg2">
+                    <a:lumMod val="20000"/>
+                    <a:lumOff val="80000"/>
+                  </a:schemeClr>
+                </a:solidFill>
+              </a:defRPr>
+            </a:lvl1pPr>
+          </a:lstStyle>
+          <a:p>
+            <a:fld id="{489AC9ED-6064-4135-9529-D68E5CE04791}" type="datetimeFigureOut">
+              <a:rPr lang="en-US" smtClean="0"/>
+              <a:t>5/9/2013</a:t>
+            </a:fld>
+            <a:endParaRPr lang="en-US"/>
+          </a:p>
+        </p:txBody>
+      </p:sp>
+      <p:sp>
+        <p:nvSpPr>
+          <p:cNvPr id="9" name="Footer Placeholder 8"/>
+          <p:cNvSpPr>
+            <a:spLocks noGrp="1"/>
+          </p:cNvSpPr>
+          <p:nvPr>
+            <p:ph type="ftr" sz="quarter" idx="11"/>
+          </p:nvPr>
+        </p:nvSpPr>
+        <p:spPr/>
+        <p:txBody>
+          <a:bodyPr/>
+          <a:lstStyle>
+            <a:lvl1pPr>
+              <a:defRPr>
+                <a:solidFill>
+                  <a:schemeClr val="bg2">
+                    <a:lumMod val="20000"/>
+                    <a:lumOff val="80000"/>
+                  </a:schemeClr>
+                </a:solidFill>
+              </a:defRPr>
+            </a:lvl1pPr>
+          </a:lstStyle>
+          <a:p>
+            <a:endParaRPr lang="en-US"/>
+          </a:p>
+        </p:txBody>
+      </p:sp>
+      <p:sp>
+        <p:nvSpPr>
+          <p:cNvPr id="10" name="Slide Number Placeholder 9"/>
+          <p:cNvSpPr>
+            <a:spLocks noGrp="1"/>
+          </p:cNvSpPr>
+          <p:nvPr>
+            <p:ph type="sldNum" sz="quarter" idx="12"/>
+          </p:nvPr>
+        </p:nvSpPr>
+        <p:spPr/>
+        <p:txBody>
+          <a:bodyPr/>
+          <a:lstStyle>
+            <a:lvl1pPr>
+              <a:defRPr>
+                <a:solidFill>
+                  <a:schemeClr val="bg2">
+                    <a:lumMod val="60000"/>
+                    <a:lumOff val="40000"/>
+                  </a:schemeClr>
+                </a:solidFill>
+              </a:defRPr>
+            </a:lvl1pPr>
+          </a:lstStyle>
+          <a:p>
+            <a:fld id="{88651503-0EBA-4770-BC68-18DFE417497C}" type="slidenum">
+              <a:rPr lang="en-US" smtClean="0"/>
+              <a:t>‹#›</a:t>
+            </a:fld>
+            <a:endParaRPr lang="en-US"/>
+          </a:p>
+        </p:txBody>
+      </p:sp>
     </p:spTree>
     <p:extLst>
       <p:ext uri="{BB962C8B-B14F-4D97-AF65-F5344CB8AC3E}">
-        <p14:creationId xmlns:p14="http://schemas.microsoft.com/office/powerpoint/2010/main" val="3627613191"/>
+        <p14:creationId xmlns:p14="http://schemas.microsoft.com/office/powerpoint/2010/main" val="2485125735"/>
       </p:ext>
     </p:extLst>
   </p:cSld>
@@ -567,7 +575,7 @@
     </p:spTree>
     <p:extLst>
       <p:ext uri="{BB962C8B-B14F-4D97-AF65-F5344CB8AC3E}">
-        <p14:creationId xmlns:p14="http://schemas.microsoft.com/office/powerpoint/2010/main" val="412050329"/>
+        <p14:creationId xmlns:p14="http://schemas.microsoft.com/office/powerpoint/2010/main" val="3952155069"/>
       </p:ext>
     </p:extLst>
   </p:cSld>
@@ -606,8 +614,8 @@
         </p:nvSpPr>
         <p:spPr>
           <a:xfrm>
-            <a:off x="8648700" y="381000"/>
-            <a:ext cx="2476500" cy="5897562"/>
+            <a:off x="6486525" y="381000"/>
+            <a:ext cx="1857375" cy="5897562"/>
           </a:xfrm>
         </p:spPr>
         <p:txBody>
@@ -634,8 +642,8 @@
         </p:nvSpPr>
         <p:spPr>
           <a:xfrm>
-            <a:off x="762000" y="381000"/>
-            <a:ext cx="7734300" cy="5897562"/>
+            <a:off x="571500" y="381000"/>
+            <a:ext cx="5800725" cy="5897562"/>
           </a:xfrm>
         </p:spPr>
         <p:txBody>
@@ -747,7 +755,7 @@
     </p:spTree>
     <p:extLst>
       <p:ext uri="{BB962C8B-B14F-4D97-AF65-F5344CB8AC3E}">
-        <p14:creationId xmlns:p14="http://schemas.microsoft.com/office/powerpoint/2010/main" val="2254247197"/>
+        <p14:creationId xmlns:p14="http://schemas.microsoft.com/office/powerpoint/2010/main" val="1761577621"/>
       </p:ext>
     </p:extLst>
   </p:cSld>
@@ -917,7 +925,7 @@
     </p:spTree>
     <p:extLst>
       <p:ext uri="{BB962C8B-B14F-4D97-AF65-F5344CB8AC3E}">
-        <p14:creationId xmlns:p14="http://schemas.microsoft.com/office/powerpoint/2010/main" val="2910057453"/>
+        <p14:creationId xmlns:p14="http://schemas.microsoft.com/office/powerpoint/2010/main" val="1133403197"/>
       </p:ext>
     </p:extLst>
   </p:cSld>
@@ -956,8 +964,8 @@
         </p:nvSpPr>
         <p:spPr>
           <a:xfrm>
-            <a:off x="1261872" y="758952"/>
-            <a:ext cx="9418320" cy="4041648"/>
+            <a:off x="946404" y="758952"/>
+            <a:ext cx="7063740" cy="4041648"/>
           </a:xfrm>
         </p:spPr>
         <p:txBody>
@@ -969,7 +977,7 @@
               <a:lnSpc>
                 <a:spcPct val="85000"/>
               </a:lnSpc>
-              <a:defRPr sz="7200" b="0"/>
+              <a:defRPr sz="6600" b="0"/>
             </a:lvl1pPr>
           </a:lstStyle>
           <a:p>
@@ -993,8 +1001,8 @@
         </p:nvSpPr>
         <p:spPr>
           <a:xfrm>
-            <a:off x="1261872" y="4800600"/>
-            <a:ext cx="9418320" cy="1691640"/>
+            <a:off x="946404" y="4800600"/>
+            <a:ext cx="7063740" cy="1691640"/>
           </a:xfrm>
         </p:spPr>
         <p:txBody>
@@ -1004,11 +1012,11 @@
           <a:lstStyle>
             <a:lvl1pPr marL="0" indent="0">
               <a:buNone/>
-              <a:defRPr sz="2200">
+              <a:defRPr sz="2000">
                 <a:solidFill>
                   <a:schemeClr val="tx1">
-                    <a:lumMod val="65000"/>
-                    <a:lumOff val="35000"/>
+                    <a:lumMod val="75000"/>
+                    <a:lumOff val="25000"/>
                   </a:schemeClr>
                 </a:solidFill>
               </a:defRPr>
@@ -1177,7 +1185,7 @@
         <p:spPr>
           <a:xfrm>
             <a:off x="0" y="0"/>
-            <a:ext cx="457200" cy="6858000"/>
+            <a:ext cx="342900" cy="6858000"/>
           </a:xfrm>
           <a:prstGeom prst="rect">
             <a:avLst/>
@@ -1209,7 +1217,7 @@
     </p:spTree>
     <p:extLst>
       <p:ext uri="{BB962C8B-B14F-4D97-AF65-F5344CB8AC3E}">
-        <p14:creationId xmlns:p14="http://schemas.microsoft.com/office/powerpoint/2010/main" val="3923096722"/>
+        <p14:creationId xmlns:p14="http://schemas.microsoft.com/office/powerpoint/2010/main" val="632103606"/>
       </p:ext>
     </p:extLst>
   </p:cSld>
@@ -1271,8 +1279,8 @@
         </p:nvSpPr>
         <p:spPr>
           <a:xfrm>
-            <a:off x="1261872" y="1828800"/>
-            <a:ext cx="4480560" cy="4351337"/>
+            <a:off x="946404" y="1828801"/>
+            <a:ext cx="3360420" cy="4351337"/>
           </a:xfrm>
         </p:spPr>
         <p:txBody>
@@ -1356,8 +1364,8 @@
         </p:nvSpPr>
         <p:spPr>
           <a:xfrm>
-            <a:off x="6126480" y="1828800"/>
-            <a:ext cx="4480560" cy="4351337"/>
+            <a:off x="4594860" y="1828801"/>
+            <a:ext cx="3360420" cy="4351337"/>
           </a:xfrm>
         </p:spPr>
         <p:txBody>
@@ -1497,7 +1505,7 @@
     </p:spTree>
     <p:extLst>
       <p:ext uri="{BB962C8B-B14F-4D97-AF65-F5344CB8AC3E}">
-        <p14:creationId xmlns:p14="http://schemas.microsoft.com/office/powerpoint/2010/main" val="2757722579"/>
+        <p14:creationId xmlns:p14="http://schemas.microsoft.com/office/powerpoint/2010/main" val="3742601624"/>
       </p:ext>
     </p:extLst>
   </p:cSld>
@@ -1559,8 +1567,8 @@
         </p:nvSpPr>
         <p:spPr>
           <a:xfrm>
-            <a:off x="1261872" y="1713655"/>
-            <a:ext cx="4480560" cy="731520"/>
+            <a:off x="946404" y="1717185"/>
+            <a:ext cx="3360420" cy="731520"/>
           </a:xfrm>
         </p:spPr>
         <p:txBody>
@@ -1573,7 +1581,7 @@
                 <a:spcPts val="0"/>
               </a:spcBef>
               <a:buNone/>
-              <a:defRPr sz="2000" b="0">
+              <a:defRPr sz="1800" b="0">
                 <a:solidFill>
                   <a:schemeClr val="tx2"/>
                 </a:solidFill>
@@ -1581,7 +1589,7 @@
             </a:lvl1pPr>
             <a:lvl2pPr marL="457200" indent="0">
               <a:buNone/>
-              <a:defRPr sz="2000" b="1"/>
+              <a:defRPr sz="1800" b="1"/>
             </a:lvl2pPr>
             <a:lvl3pPr marL="914400" indent="0">
               <a:buNone/>
@@ -1633,8 +1641,8 @@
         </p:nvSpPr>
         <p:spPr>
           <a:xfrm>
-            <a:off x="1261872" y="2507550"/>
-            <a:ext cx="4480560" cy="3664650"/>
+            <a:off x="946404" y="2507550"/>
+            <a:ext cx="3360420" cy="3664650"/>
           </a:xfrm>
         </p:spPr>
         <p:txBody>
@@ -1708,18 +1716,18 @@
       </p:sp>
       <p:sp>
         <p:nvSpPr>
-          <p:cNvPr id="5" name="Text Placeholder 4"/>
-          <p:cNvSpPr>
-            <a:spLocks noGrp="1"/>
-          </p:cNvSpPr>
-          <p:nvPr>
-            <p:ph type="body" sz="quarter" idx="3"/>
+          <p:cNvPr id="11" name="Text Placeholder 10"/>
+          <p:cNvSpPr>
+            <a:spLocks noGrp="1"/>
+          </p:cNvSpPr>
+          <p:nvPr>
+            <p:ph type="body" sz="quarter" idx="13"/>
           </p:nvPr>
         </p:nvSpPr>
         <p:spPr>
           <a:xfrm>
-            <a:off x="6126480" y="1713655"/>
-            <a:ext cx="4480560" cy="731520"/>
+            <a:off x="4599432" y="1717185"/>
+            <a:ext cx="3364992" cy="731520"/>
           </a:xfrm>
         </p:spPr>
         <p:txBody>
@@ -1728,14 +1736,9 @@
           </a:bodyPr>
           <a:lstStyle>
             <a:lvl1pPr marL="0" indent="0">
-              <a:lnSpc>
-                <a:spcPct val="95000"/>
-              </a:lnSpc>
-              <a:spcBef>
-                <a:spcPts val="0"/>
-              </a:spcBef>
+              <a:buFontTx/>
               <a:buNone/>
-              <a:defRPr lang="en-US" sz="2000" b="0" kern="1200" dirty="0">
+              <a:defRPr lang="en-US" sz="1800" b="0" kern="1200" spc="10" baseline="0" dirty="0">
                 <a:solidFill>
                   <a:schemeClr val="tx2"/>
                 </a:solidFill>
@@ -1744,48 +1747,22 @@
                 <a:cs typeface="+mn-cs"/>
               </a:defRPr>
             </a:lvl1pPr>
-            <a:lvl2pPr marL="457200" indent="0">
-              <a:buNone/>
-              <a:defRPr sz="2000" b="1"/>
-            </a:lvl2pPr>
-            <a:lvl3pPr marL="914400" indent="0">
-              <a:buNone/>
-              <a:defRPr sz="1800" b="1"/>
-            </a:lvl3pPr>
-            <a:lvl4pPr marL="1371600" indent="0">
-              <a:buNone/>
-              <a:defRPr sz="1600" b="1"/>
-            </a:lvl4pPr>
-            <a:lvl5pPr marL="1828800" indent="0">
-              <a:buNone/>
-              <a:defRPr sz="1600" b="1"/>
-            </a:lvl5pPr>
-            <a:lvl6pPr marL="2286000" indent="0">
-              <a:buNone/>
-              <a:defRPr sz="1600" b="1"/>
-            </a:lvl6pPr>
-            <a:lvl7pPr marL="2743200" indent="0">
-              <a:buNone/>
-              <a:defRPr sz="1600" b="1"/>
-            </a:lvl7pPr>
-            <a:lvl8pPr marL="3200400" indent="0">
-              <a:buNone/>
-              <a:defRPr sz="1600" b="1"/>
-            </a:lvl8pPr>
-            <a:lvl9pPr marL="3657600" indent="0">
-              <a:buNone/>
-              <a:defRPr sz="1600" b="1"/>
-            </a:lvl9pPr>
           </a:lstStyle>
           <a:p>
             <a:pPr marL="0" lvl="0" indent="0" algn="l" defTabSz="914400" rtl="0" eaLnBrk="1" latinLnBrk="0" hangingPunct="1">
               <a:lnSpc>
-                <a:spcPct val="90000"/>
+                <a:spcPct val="95000"/>
               </a:lnSpc>
               <a:spcBef>
-                <a:spcPts val="2000"/>
+                <a:spcPts val="0"/>
               </a:spcBef>
-              <a:buFontTx/>
+              <a:spcAft>
+                <a:spcPts val="200"/>
+              </a:spcAft>
+              <a:buClr>
+                <a:schemeClr val="accent1"/>
+              </a:buClr>
+              <a:buSzPct val="80000"/>
               <a:buNone/>
             </a:pPr>
             <a:r>
@@ -1807,8 +1784,8 @@
         </p:nvSpPr>
         <p:spPr>
           <a:xfrm>
-            <a:off x="6126480" y="2507550"/>
-            <a:ext cx="4480560" cy="3664650"/>
+            <a:off x="4594860" y="2507550"/>
+            <a:ext cx="3360420" cy="3664650"/>
           </a:xfrm>
         </p:spPr>
         <p:txBody>
@@ -1948,7 +1925,7 @@
     </p:spTree>
     <p:extLst>
       <p:ext uri="{BB962C8B-B14F-4D97-AF65-F5344CB8AC3E}">
-        <p14:creationId xmlns:p14="http://schemas.microsoft.com/office/powerpoint/2010/main" val="613324890"/>
+        <p14:creationId xmlns:p14="http://schemas.microsoft.com/office/powerpoint/2010/main" val="1108935689"/>
       </p:ext>
     </p:extLst>
   </p:cSld>
@@ -2066,7 +2043,7 @@
     </p:spTree>
     <p:extLst>
       <p:ext uri="{BB962C8B-B14F-4D97-AF65-F5344CB8AC3E}">
-        <p14:creationId xmlns:p14="http://schemas.microsoft.com/office/powerpoint/2010/main" val="1236068364"/>
+        <p14:creationId xmlns:p14="http://schemas.microsoft.com/office/powerpoint/2010/main" val="3122393420"/>
       </p:ext>
     </p:extLst>
   </p:cSld>
@@ -2161,7 +2138,7 @@
     </p:spTree>
     <p:extLst>
       <p:ext uri="{BB962C8B-B14F-4D97-AF65-F5344CB8AC3E}">
-        <p14:creationId xmlns:p14="http://schemas.microsoft.com/office/powerpoint/2010/main" val="4160186992"/>
+        <p14:creationId xmlns:p14="http://schemas.microsoft.com/office/powerpoint/2010/main" val="152511392"/>
       </p:ext>
     </p:extLst>
   </p:cSld>
@@ -2200,8 +2177,8 @@
         </p:nvSpPr>
         <p:spPr>
           <a:xfrm>
-            <a:off x="841248" y="457200"/>
-            <a:ext cx="3200400" cy="1600197"/>
+            <a:off x="630936" y="457201"/>
+            <a:ext cx="2400300" cy="1600197"/>
           </a:xfrm>
         </p:spPr>
         <p:txBody>
@@ -2210,7 +2187,7 @@
           </a:bodyPr>
           <a:lstStyle>
             <a:lvl1pPr>
-              <a:defRPr sz="3200" b="0" baseline="0"/>
+              <a:defRPr sz="2800" b="0" baseline="0"/>
             </a:lvl1pPr>
           </a:lstStyle>
           <a:p>
@@ -2234,21 +2211,21 @@
         </p:nvSpPr>
         <p:spPr>
           <a:xfrm>
-            <a:off x="4504267" y="685800"/>
-            <a:ext cx="6079066" cy="5486400"/>
+            <a:off x="3378200" y="685800"/>
+            <a:ext cx="4559300" cy="5486400"/>
           </a:xfrm>
         </p:spPr>
         <p:txBody>
           <a:bodyPr/>
           <a:lstStyle>
             <a:lvl1pPr>
-              <a:defRPr sz="2000"/>
+              <a:defRPr sz="1800"/>
             </a:lvl1pPr>
             <a:lvl2pPr>
-              <a:defRPr sz="1800"/>
+              <a:defRPr sz="1600"/>
             </a:lvl2pPr>
             <a:lvl3pPr>
-              <a:defRPr sz="1600"/>
+              <a:defRPr sz="1400"/>
             </a:lvl3pPr>
             <a:lvl4pPr>
               <a:defRPr sz="1400"/>
@@ -2319,8 +2296,8 @@
         </p:nvSpPr>
         <p:spPr>
           <a:xfrm>
-            <a:off x="841248" y="2099734"/>
-            <a:ext cx="3200400" cy="3810001"/>
+            <a:off x="630936" y="2099735"/>
+            <a:ext cx="2400300" cy="3810001"/>
           </a:xfrm>
         </p:spPr>
         <p:txBody>
@@ -2448,7 +2425,7 @@
     </p:spTree>
     <p:extLst>
       <p:ext uri="{BB962C8B-B14F-4D97-AF65-F5344CB8AC3E}">
-        <p14:creationId xmlns:p14="http://schemas.microsoft.com/office/powerpoint/2010/main" val="3609890755"/>
+        <p14:creationId xmlns:p14="http://schemas.microsoft.com/office/powerpoint/2010/main" val="1795595939"/>
       </p:ext>
     </p:extLst>
   </p:cSld>
@@ -2484,7 +2461,7 @@
         <p:spPr>
           <a:xfrm>
             <a:off x="0" y="5105400"/>
-            <a:ext cx="11292840" cy="1752600"/>
+            <a:ext cx="8469630" cy="1752600"/>
           </a:xfrm>
           <a:prstGeom prst="rect">
             <a:avLst/>
@@ -2525,8 +2502,8 @@
         </p:nvSpPr>
         <p:spPr>
           <a:xfrm>
-            <a:off x="914400" y="5257800"/>
-            <a:ext cx="9982200" cy="914400"/>
+            <a:off x="685800" y="5257800"/>
+            <a:ext cx="7486650" cy="914400"/>
           </a:xfrm>
         </p:spPr>
         <p:txBody>
@@ -2563,8 +2540,8 @@
         </p:nvSpPr>
         <p:spPr>
           <a:xfrm>
-            <a:off x="0" y="0"/>
-            <a:ext cx="11292840" cy="5128923"/>
+            <a:off x="0" y="1"/>
+            <a:ext cx="8469630" cy="5128923"/>
           </a:xfrm>
           <a:solidFill>
             <a:schemeClr val="accent1"/>
@@ -2635,8 +2612,8 @@
         </p:nvSpPr>
         <p:spPr>
           <a:xfrm>
-            <a:off x="914400" y="6108589"/>
-            <a:ext cx="9982200" cy="597011"/>
+            <a:off x="685800" y="6108590"/>
+            <a:ext cx="7486650" cy="597011"/>
           </a:xfrm>
         </p:spPr>
         <p:txBody>
@@ -2770,7 +2747,7 @@
     </p:spTree>
     <p:extLst>
       <p:ext uri="{BB962C8B-B14F-4D97-AF65-F5344CB8AC3E}">
-        <p14:creationId xmlns:p14="http://schemas.microsoft.com/office/powerpoint/2010/main" val="441669954"/>
+        <p14:creationId xmlns:p14="http://schemas.microsoft.com/office/powerpoint/2010/main" val="1327379745"/>
       </p:ext>
     </p:extLst>
   </p:cSld>
@@ -2810,8 +2787,8 @@
         </p:nvSpPr>
         <p:spPr>
           <a:xfrm>
-            <a:off x="11292840" y="0"/>
-            <a:ext cx="914400" cy="6858000"/>
+            <a:off x="8418195" y="0"/>
+            <a:ext cx="731520" cy="6858000"/>
           </a:xfrm>
           <a:prstGeom prst="rect">
             <a:avLst/>
@@ -2854,8 +2831,8 @@
         </p:nvSpPr>
         <p:spPr>
           <a:xfrm>
-            <a:off x="1261872" y="365760"/>
-            <a:ext cx="9692640" cy="1325562"/>
+            <a:off x="946404" y="365760"/>
+            <a:ext cx="7269480" cy="1325562"/>
           </a:xfrm>
           <a:prstGeom prst="rect">
             <a:avLst/>
@@ -2887,8 +2864,8 @@
         </p:nvSpPr>
         <p:spPr>
           <a:xfrm>
-            <a:off x="1261872" y="1828800"/>
-            <a:ext cx="8595360" cy="4351337"/>
+            <a:off x="946404" y="1828801"/>
+            <a:ext cx="6446520" cy="4351337"/>
           </a:xfrm>
           <a:prstGeom prst="rect">
             <a:avLst/>
@@ -2949,8 +2926,8 @@
         </p:nvSpPr>
         <p:spPr>
           <a:xfrm rot="16200000">
-            <a:off x="10797542" y="998537"/>
-            <a:ext cx="1904999" cy="365125"/>
+            <a:off x="7831456" y="1044178"/>
+            <a:ext cx="1904999" cy="273844"/>
           </a:xfrm>
           <a:prstGeom prst="rect">
             <a:avLst/>
@@ -2991,8 +2968,8 @@
         </p:nvSpPr>
         <p:spPr>
           <a:xfrm rot="16200000">
-            <a:off x="9959341" y="4046537"/>
-            <a:ext cx="3581400" cy="365125"/>
+            <a:off x="6993255" y="4092178"/>
+            <a:ext cx="3581400" cy="273844"/>
           </a:xfrm>
           <a:prstGeom prst="rect">
             <a:avLst/>
@@ -3029,20 +3006,20 @@
         </p:nvSpPr>
         <p:spPr>
           <a:xfrm>
-            <a:off x="11292840" y="6172200"/>
-            <a:ext cx="914400" cy="593725"/>
+            <a:off x="8441055" y="6172201"/>
+            <a:ext cx="685800" cy="593725"/>
           </a:xfrm>
           <a:prstGeom prst="rect">
             <a:avLst/>
           </a:prstGeom>
         </p:spPr>
         <p:txBody>
-          <a:bodyPr vert="horz" lIns="45720" tIns="45720" rIns="45720" bIns="45720" rtlCol="0" anchor="ctr">
+          <a:bodyPr vert="horz" lIns="27432" tIns="45720" rIns="27432" bIns="45720" rtlCol="0" anchor="ctr">
             <a:normAutofit/>
           </a:bodyPr>
           <a:lstStyle>
             <a:lvl1pPr algn="ctr">
-              <a:defRPr sz="3600">
+              <a:defRPr sz="3200">
                 <a:solidFill>
                   <a:schemeClr val="tx2">
                     <a:lumMod val="60000"/>
@@ -3064,23 +3041,23 @@
     </p:spTree>
     <p:extLst>
       <p:ext uri="{BB962C8B-B14F-4D97-AF65-F5344CB8AC3E}">
-        <p14:creationId xmlns:p14="http://schemas.microsoft.com/office/powerpoint/2010/main" val="1742707856"/>
+        <p14:creationId xmlns:p14="http://schemas.microsoft.com/office/powerpoint/2010/main" val="1126822662"/>
       </p:ext>
     </p:extLst>
   </p:cSld>
   <p:clrMap bg1="lt1" tx1="dk1" bg2="lt2" tx2="dk2" accent1="accent1" accent2="accent2" accent3="accent3" accent4="accent4" accent5="accent5" accent6="accent6" hlink="hlink" folHlink="folHlink"/>
   <p:sldLayoutIdLst>
-    <p:sldLayoutId id="2147483661" r:id="rId1"/>
-    <p:sldLayoutId id="2147483662" r:id="rId2"/>
-    <p:sldLayoutId id="2147483663" r:id="rId3"/>
-    <p:sldLayoutId id="2147483664" r:id="rId4"/>
-    <p:sldLayoutId id="2147483665" r:id="rId5"/>
-    <p:sldLayoutId id="2147483666" r:id="rId6"/>
-    <p:sldLayoutId id="2147483667" r:id="rId7"/>
-    <p:sldLayoutId id="2147483668" r:id="rId8"/>
-    <p:sldLayoutId id="2147483669" r:id="rId9"/>
-    <p:sldLayoutId id="2147483670" r:id="rId10"/>
-    <p:sldLayoutId id="2147483671" r:id="rId11"/>
+    <p:sldLayoutId id="2147483673" r:id="rId1"/>
+    <p:sldLayoutId id="2147483674" r:id="rId2"/>
+    <p:sldLayoutId id="2147483675" r:id="rId3"/>
+    <p:sldLayoutId id="2147483676" r:id="rId4"/>
+    <p:sldLayoutId id="2147483677" r:id="rId5"/>
+    <p:sldLayoutId id="2147483678" r:id="rId6"/>
+    <p:sldLayoutId id="2147483679" r:id="rId7"/>
+    <p:sldLayoutId id="2147483680" r:id="rId8"/>
+    <p:sldLayoutId id="2147483681" r:id="rId9"/>
+    <p:sldLayoutId id="2147483682" r:id="rId10"/>
+    <p:sldLayoutId id="2147483683" r:id="rId11"/>
   </p:sldLayoutIdLst>
   <p:txStyles>
     <p:titleStyle>
@@ -3092,7 +3069,7 @@
           <a:spcPct val="0"/>
         </a:spcBef>
         <a:buNone/>
-        <a:defRPr sz="4400" kern="1200" spc="-50" baseline="0">
+        <a:defRPr sz="4000" kern="1200" spc="-50" baseline="0">
           <a:solidFill>
             <a:schemeClr val="tx1"/>
           </a:solidFill>
@@ -3471,7 +3448,12 @@
             <p:ph type="ctrTitle"/>
           </p:nvPr>
         </p:nvSpPr>
-        <p:spPr/>
+        <p:spPr>
+          <a:xfrm>
+            <a:off x="946404" y="758952"/>
+            <a:ext cx="7587996" cy="3149019"/>
+          </a:xfrm>
+        </p:spPr>
         <p:txBody>
           <a:bodyPr>
             <a:normAutofit/>
@@ -3479,13 +3461,14 @@
           <a:lstStyle/>
           <a:p>
             <a:r>
-              <a:rPr lang="en-US" sz="5800" dirty="0" smtClean="0"/>
-              <a:t>A Reverse Dictionary using Explicit Semantic Analysis</a:t>
-            </a:r>
-            <a:br>
-              <a:rPr lang="en-US" sz="5800" dirty="0" smtClean="0"/>
-            </a:br>
-            <a:endParaRPr lang="en-US" sz="5800" dirty="0"/>
+              <a:rPr lang="en-US" sz="4400" dirty="0"/>
+              <a:t>A Reverse Dictionary using Explicit Semantic </a:t>
+            </a:r>
+            <a:r>
+              <a:rPr lang="en-US" sz="4400" dirty="0" smtClean="0"/>
+              <a:t>Analysis</a:t>
+            </a:r>
+            <a:endParaRPr lang="en-US" sz="4400" dirty="0"/>
           </a:p>
         </p:txBody>
       </p:sp>
@@ -3579,35 +3562,72 @@
             <p:ph type="title"/>
           </p:nvPr>
         </p:nvSpPr>
+        <p:spPr>
+          <a:xfrm>
+            <a:off x="946403" y="365760"/>
+            <a:ext cx="7457367" cy="1325562"/>
+          </a:xfrm>
+        </p:spPr>
+        <p:txBody>
+          <a:bodyPr>
+            <a:normAutofit/>
+          </a:bodyPr>
+          <a:lstStyle/>
+          <a:p>
+            <a:r>
+              <a:rPr lang="en-US" sz="3600" dirty="0" smtClean="0"/>
+              <a:t>Semantic </a:t>
+            </a:r>
+            <a:r>
+              <a:rPr lang="en-US" sz="3600" dirty="0" smtClean="0"/>
+              <a:t>Relatedness Applications</a:t>
+            </a:r>
+            <a:endParaRPr lang="en-US" sz="3600" dirty="0"/>
+          </a:p>
+        </p:txBody>
+      </p:sp>
+      <p:sp>
+        <p:nvSpPr>
+          <p:cNvPr id="3" name="Content Placeholder 2"/>
+          <p:cNvSpPr>
+            <a:spLocks noGrp="1"/>
+          </p:cNvSpPr>
+          <p:nvPr>
+            <p:ph idx="1"/>
+          </p:nvPr>
+        </p:nvSpPr>
         <p:spPr/>
         <p:txBody>
-          <a:bodyPr/>
-          <a:lstStyle/>
-          <a:p>
-            <a:r>
-              <a:rPr lang="en-US" dirty="0" smtClean="0"/>
-              <a:t>Semantic Relatedness</a:t>
-            </a:r>
-            <a:endParaRPr lang="en-US" dirty="0"/>
-          </a:p>
-        </p:txBody>
-      </p:sp>
-      <p:sp>
-        <p:nvSpPr>
-          <p:cNvPr id="3" name="Content Placeholder 2"/>
-          <p:cNvSpPr>
-            <a:spLocks noGrp="1"/>
-          </p:cNvSpPr>
-          <p:nvPr>
-            <p:ph idx="1"/>
-          </p:nvPr>
-        </p:nvSpPr>
-        <p:spPr/>
-        <p:txBody>
-          <a:bodyPr/>
-          <a:lstStyle/>
-          <a:p>
-            <a:endParaRPr lang="en-US"/>
+          <a:bodyPr>
+            <a:normAutofit/>
+          </a:bodyPr>
+          <a:lstStyle/>
+          <a:p>
+            <a:r>
+              <a:rPr lang="en-US" sz="2400" dirty="0" smtClean="0"/>
+              <a:t>Not the same as semantic similarity (“dog” and “cat” are related, but not similar)</a:t>
+            </a:r>
+          </a:p>
+          <a:p>
+            <a:r>
+              <a:rPr lang="en-US" sz="2400" dirty="0" smtClean="0"/>
+              <a:t>Enter an unfamiliar word and a familiar one to see their relatedness</a:t>
+            </a:r>
+          </a:p>
+          <a:p>
+            <a:r>
+              <a:rPr lang="en-US" sz="2400" dirty="0" smtClean="0"/>
+              <a:t>Unlike </a:t>
+            </a:r>
+            <a:r>
+              <a:rPr lang="en-US" sz="2400" dirty="0" err="1" smtClean="0"/>
+              <a:t>WordNet</a:t>
+            </a:r>
+            <a:r>
+              <a:rPr lang="en-US" sz="2400" dirty="0" smtClean="0"/>
+              <a:t>, entire phrases can be evaluated at once</a:t>
+            </a:r>
+            <a:endParaRPr lang="en-US" sz="2400" dirty="0"/>
           </a:p>
         </p:txBody>
       </p:sp>
@@ -3657,8 +3677,8 @@
           <a:lstStyle/>
           <a:p>
             <a:r>
-              <a:rPr lang="en-US" smtClean="0"/>
-              <a:t>Example Queries</a:t>
+              <a:rPr lang="en-US" dirty="0" smtClean="0"/>
+              <a:t>Limitations</a:t>
             </a:r>
             <a:endParaRPr lang="en-US" dirty="0"/>
           </a:p>
@@ -3674,19 +3694,66 @@
             <p:ph idx="1"/>
           </p:nvPr>
         </p:nvSpPr>
-        <p:spPr/>
-        <p:txBody>
-          <a:bodyPr/>
-          <a:lstStyle/>
-          <a:p>
-            <a:endParaRPr lang="en-US"/>
+        <p:spPr>
+          <a:xfrm>
+            <a:off x="946404" y="1828801"/>
+            <a:ext cx="6608282" cy="4351337"/>
+          </a:xfrm>
+        </p:spPr>
+        <p:txBody>
+          <a:bodyPr>
+            <a:normAutofit/>
+          </a:bodyPr>
+          <a:lstStyle/>
+          <a:p>
+            <a:r>
+              <a:rPr lang="en-US" sz="2400" dirty="0" smtClean="0"/>
+              <a:t>Queries are slow—database is 10 GB, more than will fit into RAM</a:t>
+            </a:r>
+          </a:p>
+          <a:p>
+            <a:r>
+              <a:rPr lang="en-US" sz="2400" dirty="0" smtClean="0"/>
+              <a:t>We tried different indices and settled on an index on (</a:t>
+            </a:r>
+            <a:r>
+              <a:rPr lang="en-US" sz="2400" dirty="0" err="1" smtClean="0"/>
+              <a:t>word_id</a:t>
+            </a:r>
+            <a:r>
+              <a:rPr lang="en-US" sz="2400" dirty="0" smtClean="0"/>
+              <a:t>, </a:t>
+            </a:r>
+            <a:r>
+              <a:rPr lang="en-US" sz="2400" dirty="0" err="1" smtClean="0"/>
+              <a:t>tfidf</a:t>
+            </a:r>
+            <a:r>
+              <a:rPr lang="en-US" sz="2400" dirty="0" smtClean="0"/>
+              <a:t>) for the </a:t>
+            </a:r>
+            <a:r>
+              <a:rPr lang="en-US" sz="2400" dirty="0" err="1" smtClean="0"/>
+              <a:t>inverted_index</a:t>
+            </a:r>
+            <a:r>
+              <a:rPr lang="en-US" sz="2400" dirty="0" smtClean="0"/>
+              <a:t> table based on our data access patterns</a:t>
+            </a:r>
+          </a:p>
+          <a:p>
+            <a:r>
+              <a:rPr lang="en-US" sz="2400" dirty="0" smtClean="0"/>
+              <a:t>Wikipedia’s semantic information is not as well-suited for dictionary definitions of words (people and places have encyclopedia articles, words usually don’t)</a:t>
+            </a:r>
+            <a:endParaRPr lang="en-US" sz="2400" dirty="0"/>
           </a:p>
         </p:txBody>
       </p:sp>
     </p:spTree>
     <p:extLst>
       <p:ext uri="{BB962C8B-B14F-4D97-AF65-F5344CB8AC3E}">
-        <p14:creationId xmlns:p14="http://schemas.microsoft.com/office/powerpoint/2010/main" val="1704224880"/>
+        <p14:creationId xmlns:p14="http://schemas.microsoft.com/office/powerpoint/2010/main" val="4212997432"/>
       </p:ext>
     </p:extLst>
   </p:cSld>
@@ -3746,12 +3813,33 @@
             <p:ph idx="1"/>
           </p:nvPr>
         </p:nvSpPr>
-        <p:spPr/>
+        <p:spPr>
+          <a:xfrm>
+            <a:off x="946403" y="1828801"/>
+            <a:ext cx="6651825" cy="4351337"/>
+          </a:xfrm>
+        </p:spPr>
         <p:txBody>
           <a:bodyPr/>
           <a:lstStyle/>
           <a:p>
-            <a:endParaRPr lang="en-US"/>
+            <a:r>
+              <a:rPr lang="en-US" sz="2400" dirty="0" smtClean="0"/>
+              <a:t>WordSim353: human-evaluated relatedness scores for 353 pairs of words (uses the mean of 16 humans’ scores)</a:t>
+            </a:r>
+          </a:p>
+          <a:p>
+            <a:r>
+              <a:rPr lang="en-US" sz="2400" dirty="0" smtClean="0"/>
+              <a:t>We measured correlation of the human scores with ours</a:t>
+            </a:r>
+          </a:p>
+          <a:p>
+            <a:r>
+              <a:rPr lang="en-US" sz="2400" dirty="0" smtClean="0"/>
+              <a:t>Pearson correlation coefficient: 0 for uncorrelated data, 1 for perfectly correlated, −1 for anti-correlated</a:t>
+            </a:r>
+            <a:endParaRPr lang="en-US" sz="2400" dirty="0"/>
           </a:p>
         </p:txBody>
       </p:sp>
@@ -3802,46 +3890,301 @@
           <a:p>
             <a:r>
               <a:rPr lang="en-US" dirty="0" smtClean="0"/>
-              <a:t>Other Reverse Dictionaries</a:t>
+              <a:t>Results</a:t>
             </a:r>
             <a:endParaRPr lang="en-US" dirty="0"/>
           </a:p>
         </p:txBody>
       </p:sp>
-      <p:sp>
-        <p:nvSpPr>
-          <p:cNvPr id="3" name="Content Placeholder 2"/>
-          <p:cNvSpPr>
-            <a:spLocks noGrp="1"/>
-          </p:cNvSpPr>
+      <p:graphicFrame>
+        <p:nvGraphicFramePr>
+          <p:cNvPr id="5" name="Content Placeholder 4"/>
+          <p:cNvGraphicFramePr>
+            <a:graphicFrameLocks noGrp="1"/>
+          </p:cNvGraphicFramePr>
           <p:nvPr>
             <p:ph idx="1"/>
-          </p:nvPr>
-        </p:nvSpPr>
-        <p:spPr/>
-        <p:txBody>
-          <a:bodyPr/>
-          <a:lstStyle/>
-          <a:p>
-            <a:r>
-              <a:rPr lang="en-US" dirty="0" err="1" smtClean="0"/>
-              <a:t>OneLook</a:t>
-            </a:r>
-            <a:endParaRPr lang="en-US" dirty="0" smtClean="0"/>
-          </a:p>
-          <a:p>
-            <a:r>
-              <a:rPr lang="en-US" dirty="0" smtClean="0"/>
-              <a:t>Reference.com</a:t>
-            </a:r>
-            <a:endParaRPr lang="en-US" dirty="0"/>
-          </a:p>
-        </p:txBody>
-      </p:sp>
+            <p:extLst>
+              <p:ext uri="{D42A27DB-BD31-4B8C-83A1-F6EECF244321}">
+                <p14:modId xmlns:p14="http://schemas.microsoft.com/office/powerpoint/2010/main" val="4190528820"/>
+              </p:ext>
+            </p:extLst>
+          </p:nvPr>
+        </p:nvGraphicFramePr>
+        <p:xfrm>
+          <a:off x="946150" y="1828800"/>
+          <a:ext cx="6886099" cy="2966720"/>
+        </p:xfrm>
+        <a:graphic>
+          <a:graphicData uri="http://schemas.openxmlformats.org/drawingml/2006/table">
+            <a:tbl>
+              <a:tblPr firstRow="1" bandRow="1">
+                <a:tableStyleId>{5C22544A-7EE6-4342-B048-85BDC9FD1C3A}</a:tableStyleId>
+              </a:tblPr>
+              <a:tblGrid>
+                <a:gridCol w="3662680"/>
+                <a:gridCol w="3223419"/>
+              </a:tblGrid>
+              <a:tr h="370840">
+                <a:tc>
+                  <a:txBody>
+                    <a:bodyPr/>
+                    <a:lstStyle/>
+                    <a:p>
+                      <a:r>
+                        <a:rPr lang="en-US" dirty="0" smtClean="0"/>
+                        <a:t>Method</a:t>
+                      </a:r>
+                      <a:endParaRPr lang="en-US" dirty="0"/>
+                    </a:p>
+                  </a:txBody>
+                  <a:tcPr/>
+                </a:tc>
+                <a:tc>
+                  <a:txBody>
+                    <a:bodyPr/>
+                    <a:lstStyle/>
+                    <a:p>
+                      <a:r>
+                        <a:rPr lang="en-US" dirty="0" smtClean="0"/>
+                        <a:t>Correlation with human</a:t>
+                      </a:r>
+                      <a:endParaRPr lang="en-US" dirty="0"/>
+                    </a:p>
+                  </a:txBody>
+                  <a:tcPr/>
+                </a:tc>
+              </a:tr>
+              <a:tr h="370840">
+                <a:tc>
+                  <a:txBody>
+                    <a:bodyPr/>
+                    <a:lstStyle/>
+                    <a:p>
+                      <a:r>
+                        <a:rPr lang="en-US" dirty="0" smtClean="0"/>
+                        <a:t>Random baseline</a:t>
+                      </a:r>
+                      <a:endParaRPr lang="en-US" dirty="0"/>
+                    </a:p>
+                  </a:txBody>
+                  <a:tcPr/>
+                </a:tc>
+                <a:tc>
+                  <a:txBody>
+                    <a:bodyPr/>
+                    <a:lstStyle/>
+                    <a:p>
+                      <a:r>
+                        <a:rPr lang="en-US" dirty="0" smtClean="0"/>
+                        <a:t>−0.07</a:t>
+                      </a:r>
+                      <a:endParaRPr lang="en-US" dirty="0"/>
+                    </a:p>
+                  </a:txBody>
+                  <a:tcPr/>
+                </a:tc>
+              </a:tr>
+              <a:tr h="370840">
+                <a:tc>
+                  <a:txBody>
+                    <a:bodyPr/>
+                    <a:lstStyle/>
+                    <a:p>
+                      <a:r>
+                        <a:rPr lang="en-US" b="1" dirty="0" smtClean="0"/>
+                        <a:t>Our ESA</a:t>
+                      </a:r>
+                      <a:endParaRPr lang="en-US" b="1" dirty="0"/>
+                    </a:p>
+                  </a:txBody>
+                  <a:tcPr/>
+                </a:tc>
+                <a:tc>
+                  <a:txBody>
+                    <a:bodyPr/>
+                    <a:lstStyle/>
+                    <a:p>
+                      <a:r>
+                        <a:rPr lang="en-US" b="1" dirty="0" smtClean="0"/>
+                        <a:t>0.49</a:t>
+                      </a:r>
+                      <a:endParaRPr lang="en-US" b="1" dirty="0"/>
+                    </a:p>
+                  </a:txBody>
+                  <a:tcPr/>
+                </a:tc>
+              </a:tr>
+              <a:tr h="370840">
+                <a:tc>
+                  <a:txBody>
+                    <a:bodyPr/>
+                    <a:lstStyle/>
+                    <a:p>
+                      <a:r>
+                        <a:rPr lang="en-US" dirty="0" err="1" smtClean="0"/>
+                        <a:t>Gabrilovich</a:t>
+                      </a:r>
+                      <a:r>
+                        <a:rPr lang="en-US" dirty="0" smtClean="0"/>
+                        <a:t> et al. ESA</a:t>
+                      </a:r>
+                      <a:endParaRPr lang="en-US" dirty="0"/>
+                    </a:p>
+                  </a:txBody>
+                  <a:tcPr/>
+                </a:tc>
+                <a:tc>
+                  <a:txBody>
+                    <a:bodyPr/>
+                    <a:lstStyle/>
+                    <a:p>
+                      <a:r>
+                        <a:rPr lang="en-US" dirty="0" smtClean="0"/>
+                        <a:t>0.75</a:t>
+                      </a:r>
+                      <a:endParaRPr lang="en-US" dirty="0"/>
+                    </a:p>
+                  </a:txBody>
+                  <a:tcPr/>
+                </a:tc>
+              </a:tr>
+              <a:tr h="370840">
+                <a:tc>
+                  <a:txBody>
+                    <a:bodyPr/>
+                    <a:lstStyle/>
+                    <a:p>
+                      <a:r>
+                        <a:rPr lang="en-US" dirty="0" smtClean="0"/>
+                        <a:t>LSA (Latent Semantic Analysis)</a:t>
+                      </a:r>
+                      <a:endParaRPr lang="en-US" dirty="0"/>
+                    </a:p>
+                  </a:txBody>
+                  <a:tcPr/>
+                </a:tc>
+                <a:tc>
+                  <a:txBody>
+                    <a:bodyPr/>
+                    <a:lstStyle/>
+                    <a:p>
+                      <a:r>
+                        <a:rPr lang="en-US" dirty="0" smtClean="0"/>
+                        <a:t>0.56</a:t>
+                      </a:r>
+                      <a:endParaRPr lang="en-US" dirty="0"/>
+                    </a:p>
+                  </a:txBody>
+                  <a:tcPr/>
+                </a:tc>
+              </a:tr>
+              <a:tr h="370840">
+                <a:tc>
+                  <a:txBody>
+                    <a:bodyPr/>
+                    <a:lstStyle/>
+                    <a:p>
+                      <a:r>
+                        <a:rPr lang="en-US" dirty="0" err="1" smtClean="0"/>
+                        <a:t>WordNet</a:t>
+                      </a:r>
+                      <a:endParaRPr lang="en-US" dirty="0"/>
+                    </a:p>
+                  </a:txBody>
+                  <a:tcPr/>
+                </a:tc>
+                <a:tc>
+                  <a:txBody>
+                    <a:bodyPr/>
+                    <a:lstStyle/>
+                    <a:p>
+                      <a:r>
+                        <a:rPr lang="en-US" dirty="0" smtClean="0"/>
+                        <a:t>0.33–0.35</a:t>
+                      </a:r>
+                      <a:endParaRPr lang="en-US" dirty="0"/>
+                    </a:p>
+                  </a:txBody>
+                  <a:tcPr/>
+                </a:tc>
+              </a:tr>
+              <a:tr h="370840">
+                <a:tc>
+                  <a:txBody>
+                    <a:bodyPr/>
+                    <a:lstStyle/>
+                    <a:p>
+                      <a:r>
+                        <a:rPr lang="en-US" dirty="0" err="1" smtClean="0"/>
+                        <a:t>WikiRelate</a:t>
+                      </a:r>
+                      <a:r>
+                        <a:rPr lang="en-US" dirty="0" smtClean="0"/>
+                        <a:t>!</a:t>
+                      </a:r>
+                      <a:endParaRPr lang="en-US" dirty="0"/>
+                    </a:p>
+                  </a:txBody>
+                  <a:tcPr/>
+                </a:tc>
+                <a:tc>
+                  <a:txBody>
+                    <a:bodyPr/>
+                    <a:lstStyle/>
+                    <a:p>
+                      <a:r>
+                        <a:rPr lang="en-US" dirty="0" smtClean="0"/>
+                        <a:t>0.19</a:t>
+                      </a:r>
+                      <a:r>
+                        <a:rPr lang="en-US" dirty="0" smtClean="0"/>
+                        <a:t>–0.48</a:t>
+                      </a:r>
+                      <a:endParaRPr lang="en-US" dirty="0"/>
+                    </a:p>
+                  </a:txBody>
+                  <a:tcPr/>
+                </a:tc>
+              </a:tr>
+              <a:tr h="370840">
+                <a:tc>
+                  <a:txBody>
+                    <a:bodyPr/>
+                    <a:lstStyle/>
+                    <a:p>
+                      <a:r>
+                        <a:rPr lang="en-US" dirty="0" smtClean="0"/>
+                        <a:t>Roget's Thesaurus</a:t>
+                      </a:r>
+                      <a:endParaRPr lang="en-US" dirty="0"/>
+                    </a:p>
+                  </a:txBody>
+                  <a:tcPr/>
+                </a:tc>
+                <a:tc>
+                  <a:txBody>
+                    <a:bodyPr/>
+                    <a:lstStyle/>
+                    <a:p>
+                      <a:r>
+                        <a:rPr lang="en-US" dirty="0" smtClean="0"/>
+                        <a:t>0.55</a:t>
+                      </a:r>
+                      <a:endParaRPr lang="en-US" dirty="0"/>
+                    </a:p>
+                  </a:txBody>
+                  <a:tcPr/>
+                </a:tc>
+              </a:tr>
+            </a:tbl>
+          </a:graphicData>
+        </a:graphic>
+      </p:graphicFrame>
     </p:spTree>
     <p:extLst>
       <p:ext uri="{BB962C8B-B14F-4D97-AF65-F5344CB8AC3E}">
-        <p14:creationId xmlns:p14="http://schemas.microsoft.com/office/powerpoint/2010/main" val="4173226813"/>
+        <p14:creationId xmlns:p14="http://schemas.microsoft.com/office/powerpoint/2010/main" val="3356023011"/>
       </p:ext>
     </p:extLst>
   </p:cSld>
@@ -3885,7 +4228,7 @@
           <a:p>
             <a:r>
               <a:rPr lang="en-US" dirty="0" smtClean="0"/>
-              <a:t>Wordsim-353</a:t>
+              <a:t>Evaluation (cont’d.)</a:t>
             </a:r>
             <a:endParaRPr lang="en-US" dirty="0"/>
           </a:p>
@@ -3903,17 +4246,37 @@
         </p:nvSpPr>
         <p:spPr/>
         <p:txBody>
-          <a:bodyPr/>
-          <a:lstStyle/>
-          <a:p>
-            <a:endParaRPr lang="en-US" dirty="0"/>
+          <a:bodyPr>
+            <a:normAutofit/>
+          </a:bodyPr>
+          <a:lstStyle/>
+          <a:p>
+            <a:r>
+              <a:rPr lang="en-US" sz="2400" dirty="0" smtClean="0"/>
+              <a:t>Word Sense Disambiguation: use our tool to compute semantic relatedness for WSD, compared with </a:t>
+            </a:r>
+            <a:r>
+              <a:rPr lang="en-US" sz="2400" dirty="0" err="1" smtClean="0"/>
+              <a:t>Lesk</a:t>
+            </a:r>
+            <a:r>
+              <a:rPr lang="en-US" sz="2400" dirty="0" smtClean="0"/>
+              <a:t> and PageRank</a:t>
+            </a:r>
+          </a:p>
+          <a:p>
+            <a:r>
+              <a:rPr lang="en-US" sz="2400" dirty="0" smtClean="0"/>
+              <a:t>To be done—queries are slow</a:t>
+            </a:r>
+            <a:endParaRPr lang="en-US" sz="2400" dirty="0"/>
           </a:p>
         </p:txBody>
       </p:sp>
     </p:spTree>
     <p:extLst>
       <p:ext uri="{BB962C8B-B14F-4D97-AF65-F5344CB8AC3E}">
-        <p14:creationId xmlns:p14="http://schemas.microsoft.com/office/powerpoint/2010/main" val="676166897"/>
+        <p14:creationId xmlns:p14="http://schemas.microsoft.com/office/powerpoint/2010/main" val="4071694531"/>
       </p:ext>
     </p:extLst>
   </p:cSld>
@@ -3957,7 +4320,7 @@
           <a:p>
             <a:r>
               <a:rPr lang="en-US" dirty="0" smtClean="0"/>
-              <a:t>Goal</a:t>
+              <a:t>Goals</a:t>
             </a:r>
             <a:endParaRPr lang="en-US" dirty="0"/>
           </a:p>
@@ -3975,10 +4338,25 @@
         </p:nvSpPr>
         <p:spPr/>
         <p:txBody>
-          <a:bodyPr/>
-          <a:lstStyle/>
-          <a:p>
-            <a:endParaRPr lang="en-US" dirty="0"/>
+          <a:bodyPr>
+            <a:normAutofit/>
+          </a:bodyPr>
+          <a:lstStyle/>
+          <a:p>
+            <a:r>
+              <a:rPr lang="en-US" sz="2400" dirty="0" smtClean="0"/>
+              <a:t>“Reverse dictionary” function—find the common concept behind an overly specific word or phrase</a:t>
+            </a:r>
+          </a:p>
+          <a:p>
+            <a:r>
+              <a:rPr lang="en-US" sz="2400" dirty="0" smtClean="0"/>
+              <a:t>An improved measure of semantic relatedness between two words or phrases</a:t>
+            </a:r>
+            <a:endParaRPr lang="en-US" sz="2400" dirty="0" smtClean="0"/>
+          </a:p>
+          <a:p>
+            <a:endParaRPr lang="en-US" sz="2400" dirty="0"/>
           </a:p>
         </p:txBody>
       </p:sp>
@@ -4029,7 +4407,7 @@
           <a:p>
             <a:r>
               <a:rPr lang="en-US" dirty="0" smtClean="0"/>
-              <a:t>Motivation</a:t>
+              <a:t>Existing Tools</a:t>
             </a:r>
             <a:endParaRPr lang="en-US" dirty="0"/>
           </a:p>
@@ -4045,19 +4423,74 @@
             <p:ph idx="1"/>
           </p:nvPr>
         </p:nvSpPr>
-        <p:spPr/>
-        <p:txBody>
-          <a:bodyPr/>
-          <a:lstStyle/>
-          <a:p>
-            <a:endParaRPr lang="en-US"/>
+        <p:spPr>
+          <a:xfrm>
+            <a:off x="946403" y="1828801"/>
+            <a:ext cx="6923967" cy="4351337"/>
+          </a:xfrm>
+        </p:spPr>
+        <p:txBody>
+          <a:bodyPr>
+            <a:noAutofit/>
+          </a:bodyPr>
+          <a:lstStyle/>
+          <a:p>
+            <a:r>
+              <a:rPr lang="en-US" sz="2400" dirty="0" err="1" smtClean="0"/>
+              <a:t>Visuwords</a:t>
+            </a:r>
+            <a:r>
+              <a:rPr lang="en-US" sz="2400" dirty="0" smtClean="0"/>
+              <a:t> &lt;visuwords.com&gt;</a:t>
+            </a:r>
+          </a:p>
+          <a:p>
+            <a:r>
+              <a:rPr lang="en-US" sz="2400" dirty="0" smtClean="0"/>
+              <a:t>JavaScript Visual </a:t>
+            </a:r>
+            <a:r>
+              <a:rPr lang="en-US" sz="2400" dirty="0" err="1" smtClean="0"/>
+              <a:t>WordNet</a:t>
+            </a:r>
+            <a:r>
+              <a:rPr lang="en-US" sz="2400" dirty="0"/>
+              <a:t> &lt;kylescholz.com/projects/</a:t>
+            </a:r>
+            <a:r>
+              <a:rPr lang="en-US" sz="2400" dirty="0" err="1"/>
+              <a:t>wordnet</a:t>
+            </a:r>
+            <a:r>
+              <a:rPr lang="en-US" sz="2400" dirty="0" smtClean="0"/>
+              <a:t>/&gt;</a:t>
+            </a:r>
+          </a:p>
+          <a:p>
+            <a:r>
+              <a:rPr lang="en-US" sz="2400" dirty="0" err="1" smtClean="0"/>
+              <a:t>Thinkmap</a:t>
+            </a:r>
+            <a:r>
+              <a:rPr lang="en-US" sz="2400" dirty="0" smtClean="0"/>
+              <a:t> Visual Thesauru</a:t>
+            </a:r>
+            <a:r>
+              <a:rPr lang="en-US" sz="2400" dirty="0"/>
+              <a:t>s &lt;</a:t>
+            </a:r>
+            <a:r>
+              <a:rPr lang="en-US" sz="2400" dirty="0" smtClean="0"/>
+              <a:t>visualthesaurus.com&gt;</a:t>
+            </a:r>
+            <a:endParaRPr lang="en-US" sz="2400" dirty="0"/>
           </a:p>
         </p:txBody>
       </p:sp>
     </p:spTree>
     <p:extLst>
       <p:ext uri="{BB962C8B-B14F-4D97-AF65-F5344CB8AC3E}">
-        <p14:creationId xmlns:p14="http://schemas.microsoft.com/office/powerpoint/2010/main" val="1173393199"/>
+        <p14:creationId xmlns:p14="http://schemas.microsoft.com/office/powerpoint/2010/main" val="2829196953"/>
       </p:ext>
     </p:extLst>
   </p:cSld>
@@ -4101,7 +4534,7 @@
           <a:p>
             <a:r>
               <a:rPr lang="en-US" dirty="0" smtClean="0"/>
-              <a:t>Existing Tools</a:t>
+              <a:t>Motivation</a:t>
             </a:r>
             <a:endParaRPr lang="en-US" dirty="0"/>
           </a:p>
@@ -4119,17 +4552,59 @@
         </p:nvSpPr>
         <p:spPr/>
         <p:txBody>
-          <a:bodyPr/>
-          <a:lstStyle/>
-          <a:p>
-            <a:endParaRPr lang="en-US"/>
+          <a:bodyPr>
+            <a:normAutofit/>
+          </a:bodyPr>
+          <a:lstStyle/>
+          <a:p>
+            <a:r>
+              <a:rPr lang="en-US" sz="2400" dirty="0"/>
+              <a:t>These tools look fancy, but are limited by the </a:t>
+            </a:r>
+            <a:r>
+              <a:rPr lang="en-US" sz="2400" dirty="0" err="1"/>
+              <a:t>WordNet</a:t>
+            </a:r>
+            <a:r>
+              <a:rPr lang="en-US" sz="2400" dirty="0"/>
+              <a:t> </a:t>
+            </a:r>
+            <a:r>
+              <a:rPr lang="en-US" sz="2400" dirty="0" smtClean="0"/>
+              <a:t>network</a:t>
+            </a:r>
+          </a:p>
+          <a:p>
+            <a:r>
+              <a:rPr lang="en-US" sz="2400" dirty="0"/>
+              <a:t>They do not attempt to guess the meaning of input, only look up exact words in </a:t>
+            </a:r>
+            <a:r>
+              <a:rPr lang="en-US" sz="2400" dirty="0" err="1"/>
+              <a:t>WordNet</a:t>
+            </a:r>
+            <a:endParaRPr lang="en-US" sz="2400" dirty="0"/>
+          </a:p>
+          <a:p>
+            <a:r>
+              <a:rPr lang="en-US" sz="2400" dirty="0" smtClean="0"/>
+              <a:t>Wikipedia has fewer actual words than </a:t>
+            </a:r>
+            <a:r>
+              <a:rPr lang="en-US" sz="2400" dirty="0" err="1" smtClean="0"/>
+              <a:t>WordNet</a:t>
+            </a:r>
+            <a:r>
+              <a:rPr lang="en-US" sz="2400" dirty="0" smtClean="0"/>
+              <a:t>, but more semantic context (articles vs. dictionary glosses)</a:t>
+            </a:r>
           </a:p>
         </p:txBody>
       </p:sp>
     </p:spTree>
     <p:extLst>
       <p:ext uri="{BB962C8B-B14F-4D97-AF65-F5344CB8AC3E}">
-        <p14:creationId xmlns:p14="http://schemas.microsoft.com/office/powerpoint/2010/main" val="2829196953"/>
+        <p14:creationId xmlns:p14="http://schemas.microsoft.com/office/powerpoint/2010/main" val="1173393199"/>
       </p:ext>
     </p:extLst>
   </p:cSld>
@@ -4173,7 +4648,7 @@
           <a:p>
             <a:r>
               <a:rPr lang="en-US" dirty="0" smtClean="0"/>
-              <a:t>Lacking Features</a:t>
+              <a:t>Explicit Semantic Analysis</a:t>
             </a:r>
             <a:endParaRPr lang="en-US" dirty="0"/>
           </a:p>
@@ -4191,17 +4666,61 @@
         </p:nvSpPr>
         <p:spPr/>
         <p:txBody>
-          <a:bodyPr/>
-          <a:lstStyle/>
-          <a:p>
-            <a:endParaRPr lang="en-US"/>
+          <a:bodyPr>
+            <a:normAutofit/>
+          </a:bodyPr>
+          <a:lstStyle/>
+          <a:p>
+            <a:r>
+              <a:rPr lang="en-US" sz="2400" dirty="0"/>
+              <a:t>(</a:t>
+            </a:r>
+            <a:r>
+              <a:rPr lang="en-US" sz="2400" dirty="0" err="1"/>
+              <a:t>Gabrilovich</a:t>
+            </a:r>
+            <a:r>
+              <a:rPr lang="en-US" sz="2400" dirty="0"/>
+              <a:t> and </a:t>
+            </a:r>
+            <a:r>
+              <a:rPr lang="en-US" sz="2400" dirty="0" err="1"/>
+              <a:t>Markovitch</a:t>
+            </a:r>
+            <a:r>
+              <a:rPr lang="en-US" sz="2400" dirty="0"/>
+              <a:t>, 2007</a:t>
+            </a:r>
+            <a:r>
+              <a:rPr lang="en-US" sz="2400" dirty="0" smtClean="0"/>
+              <a:t>)</a:t>
+            </a:r>
+          </a:p>
+          <a:p>
+            <a:r>
+              <a:rPr lang="en-US" sz="2400" dirty="0"/>
+              <a:t>Treats each Wikipedia article as a concept, with individual words having more or less relevance for every </a:t>
+            </a:r>
+            <a:r>
+              <a:rPr lang="en-US" sz="2400" dirty="0" smtClean="0"/>
+              <a:t>concept</a:t>
+            </a:r>
+          </a:p>
+          <a:p>
+            <a:r>
+              <a:rPr lang="en-US" sz="2400" dirty="0" smtClean="0"/>
+              <a:t>Two words’ relatedness can be measured by the similarity of their concept vectors</a:t>
+            </a:r>
+          </a:p>
+          <a:p>
+            <a:endParaRPr lang="en-US" sz="2400" dirty="0"/>
           </a:p>
         </p:txBody>
       </p:sp>
     </p:spTree>
     <p:extLst>
       <p:ext uri="{BB962C8B-B14F-4D97-AF65-F5344CB8AC3E}">
-        <p14:creationId xmlns:p14="http://schemas.microsoft.com/office/powerpoint/2010/main" val="3879730360"/>
+        <p14:creationId xmlns:p14="http://schemas.microsoft.com/office/powerpoint/2010/main" val="1664889514"/>
       </p:ext>
     </p:extLst>
   </p:cSld>
@@ -4245,7 +4764,7 @@
           <a:p>
             <a:r>
               <a:rPr lang="en-US" dirty="0" smtClean="0"/>
-              <a:t>Explicit Semantic Analysis</a:t>
+              <a:t>Algorithm</a:t>
             </a:r>
             <a:endParaRPr lang="en-US" dirty="0"/>
           </a:p>
@@ -4261,19 +4780,58 @@
             <p:ph idx="1"/>
           </p:nvPr>
         </p:nvSpPr>
-        <p:spPr/>
-        <p:txBody>
-          <a:bodyPr/>
-          <a:lstStyle/>
-          <a:p>
-            <a:endParaRPr lang="en-US"/>
+        <p:spPr>
+          <a:xfrm>
+            <a:off x="946404" y="1828801"/>
+            <a:ext cx="6738910" cy="4351337"/>
+          </a:xfrm>
+        </p:spPr>
+        <p:txBody>
+          <a:bodyPr>
+            <a:noAutofit/>
+          </a:bodyPr>
+          <a:lstStyle/>
+          <a:p>
+            <a:r>
+              <a:rPr lang="en-US" sz="2400" dirty="0"/>
+              <a:t>Download enwiki-latest-pages-articles.xml (40.4 GB, 13,675,673 pages), an XML dump of Wikipedia's database from April 4, </a:t>
+            </a:r>
+            <a:r>
+              <a:rPr lang="en-US" sz="2400" dirty="0" smtClean="0"/>
+              <a:t>2013</a:t>
+            </a:r>
+          </a:p>
+          <a:p>
+            <a:r>
+              <a:rPr lang="en-US" sz="2400" dirty="0"/>
+              <a:t>Parse the Wikipedia dump, rejecting articles that are redirects, proposed for deletion, or are too short; and stem the words in the remaining </a:t>
+            </a:r>
+            <a:r>
+              <a:rPr lang="en-US" sz="2400" dirty="0" smtClean="0"/>
+              <a:t>articles. </a:t>
+            </a:r>
+            <a:r>
+              <a:rPr lang="en-US" sz="2400" dirty="0"/>
+              <a:t>The output is stemmed-articles.txt (7.52 GB, 1,857,524 articles</a:t>
+            </a:r>
+            <a:r>
+              <a:rPr lang="en-US" sz="2400" dirty="0" smtClean="0"/>
+              <a:t>).</a:t>
+            </a:r>
+          </a:p>
+          <a:p>
+            <a:r>
+              <a:rPr lang="en-US" sz="2400" dirty="0" smtClean="0"/>
+              <a:t>Calculate the TF-IDF score for each word in each article.</a:t>
+            </a:r>
+            <a:endParaRPr lang="en-US" sz="2400" dirty="0"/>
           </a:p>
         </p:txBody>
       </p:sp>
     </p:spTree>
     <p:extLst>
       <p:ext uri="{BB962C8B-B14F-4D97-AF65-F5344CB8AC3E}">
-        <p14:creationId xmlns:p14="http://schemas.microsoft.com/office/powerpoint/2010/main" val="1664889514"/>
+        <p14:creationId xmlns:p14="http://schemas.microsoft.com/office/powerpoint/2010/main" val="2869978648"/>
       </p:ext>
     </p:extLst>
   </p:cSld>
@@ -4317,35 +4875,654 @@
           <a:p>
             <a:r>
               <a:rPr lang="en-US" dirty="0" smtClean="0"/>
-              <a:t>Algorithm</a:t>
+              <a:t>TF-IDF Scores</a:t>
             </a:r>
             <a:endParaRPr lang="en-US" dirty="0"/>
           </a:p>
         </p:txBody>
       </p:sp>
-      <p:sp>
-        <p:nvSpPr>
-          <p:cNvPr id="3" name="Content Placeholder 2"/>
-          <p:cNvSpPr>
-            <a:spLocks noGrp="1"/>
-          </p:cNvSpPr>
-          <p:nvPr>
-            <p:ph idx="1"/>
-          </p:nvPr>
-        </p:nvSpPr>
-        <p:spPr/>
-        <p:txBody>
-          <a:bodyPr/>
-          <a:lstStyle/>
-          <a:p>
-            <a:endParaRPr lang="en-US"/>
-          </a:p>
-        </p:txBody>
-      </p:sp>
+      <mc:AlternateContent xmlns:mc="http://schemas.openxmlformats.org/markup-compatibility/2006">
+        <mc:Choice xmlns:a14="http://schemas.microsoft.com/office/drawing/2010/main" Requires="a14">
+          <p:sp>
+            <p:nvSpPr>
+              <p:cNvPr id="3" name="Content Placeholder 2"/>
+              <p:cNvSpPr>
+                <a:spLocks noGrp="1"/>
+              </p:cNvSpPr>
+              <p:nvPr>
+                <p:ph idx="1"/>
+              </p:nvPr>
+            </p:nvSpPr>
+            <p:spPr/>
+            <p:txBody>
+              <a:bodyPr/>
+              <a:lstStyle/>
+              <a:p>
+                <a:r>
+                  <a:rPr lang="en-US" dirty="0" smtClean="0"/>
+                  <a:t>Term frequency–inverse document frequency</a:t>
+                </a:r>
+              </a:p>
+              <a:p>
+                <a14:m>
+                  <m:oMath xmlns:m="http://schemas.openxmlformats.org/officeDocument/2006/math">
+                    <m:r>
+                      <a:rPr lang="en-US" b="0" i="1" smtClean="0">
+                        <a:latin typeface="Cambria Math" panose="02040503050406030204" pitchFamily="18" charset="0"/>
+                      </a:rPr>
+                      <m:t>𝑓</m:t>
+                    </m:r>
+                    <m:d>
+                      <m:dPr>
+                        <m:ctrlPr>
+                          <a:rPr lang="en-US" b="0" i="1" smtClean="0">
+                            <a:latin typeface="Cambria Math" panose="02040503050406030204" pitchFamily="18" charset="0"/>
+                          </a:rPr>
+                        </m:ctrlPr>
+                      </m:dPr>
+                      <m:e>
+                        <m:r>
+                          <a:rPr lang="en-US" b="0" i="1" smtClean="0">
+                            <a:latin typeface="Cambria Math" panose="02040503050406030204" pitchFamily="18" charset="0"/>
+                          </a:rPr>
+                          <m:t>𝑡</m:t>
+                        </m:r>
+                        <m:r>
+                          <a:rPr lang="en-US" b="0" i="1" smtClean="0">
+                            <a:latin typeface="Cambria Math" panose="02040503050406030204" pitchFamily="18" charset="0"/>
+                          </a:rPr>
+                          <m:t>,</m:t>
+                        </m:r>
+                        <m:r>
+                          <a:rPr lang="en-US" b="0" i="1" smtClean="0">
+                            <a:latin typeface="Cambria Math" panose="02040503050406030204" pitchFamily="18" charset="0"/>
+                          </a:rPr>
+                          <m:t>𝑑</m:t>
+                        </m:r>
+                      </m:e>
+                    </m:d>
+                    <m:r>
+                      <a:rPr lang="en-US" b="0" i="1" smtClean="0">
+                        <a:latin typeface="Cambria Math" panose="02040503050406030204" pitchFamily="18" charset="0"/>
+                      </a:rPr>
+                      <m:t>=</m:t>
+                    </m:r>
+                    <m:r>
+                      <m:rPr>
+                        <m:sty m:val="p"/>
+                      </m:rPr>
+                      <a:rPr lang="en-US" b="0" i="0" smtClean="0">
+                        <a:latin typeface="Cambria Math" panose="02040503050406030204" pitchFamily="18" charset="0"/>
+                      </a:rPr>
+                      <m:t>Count</m:t>
+                    </m:r>
+                    <m:r>
+                      <a:rPr lang="en-US" b="0" i="0" smtClean="0">
+                        <a:latin typeface="Cambria Math" panose="02040503050406030204" pitchFamily="18" charset="0"/>
+                      </a:rPr>
+                      <m:t> </m:t>
+                    </m:r>
+                    <m:r>
+                      <m:rPr>
+                        <m:sty m:val="p"/>
+                      </m:rPr>
+                      <a:rPr lang="en-US" b="0" i="0" smtClean="0">
+                        <a:latin typeface="Cambria Math" panose="02040503050406030204" pitchFamily="18" charset="0"/>
+                      </a:rPr>
+                      <m:t>of</m:t>
+                    </m:r>
+                    <m:r>
+                      <a:rPr lang="en-US" b="0" i="0" smtClean="0">
+                        <a:latin typeface="Cambria Math" panose="02040503050406030204" pitchFamily="18" charset="0"/>
+                      </a:rPr>
+                      <m:t> </m:t>
+                    </m:r>
+                    <m:r>
+                      <m:rPr>
+                        <m:sty m:val="p"/>
+                      </m:rPr>
+                      <a:rPr lang="en-US" b="0" i="0" smtClean="0">
+                        <a:latin typeface="Cambria Math" panose="02040503050406030204" pitchFamily="18" charset="0"/>
+                      </a:rPr>
+                      <m:t>term</m:t>
+                    </m:r>
+                    <m:r>
+                      <a:rPr lang="en-US" b="0" i="0" smtClean="0">
+                        <a:latin typeface="Cambria Math" panose="02040503050406030204" pitchFamily="18" charset="0"/>
+                      </a:rPr>
+                      <m:t> </m:t>
+                    </m:r>
+                    <m:r>
+                      <a:rPr lang="en-US" b="0" i="1" smtClean="0">
+                        <a:latin typeface="Cambria Math" panose="02040503050406030204" pitchFamily="18" charset="0"/>
+                      </a:rPr>
+                      <m:t>𝑡</m:t>
+                    </m:r>
+                    <m:r>
+                      <a:rPr lang="en-US" b="0" i="0" smtClean="0">
+                        <a:latin typeface="Cambria Math" panose="02040503050406030204" pitchFamily="18" charset="0"/>
+                      </a:rPr>
+                      <m:t> </m:t>
+                    </m:r>
+                    <m:r>
+                      <m:rPr>
+                        <m:sty m:val="p"/>
+                      </m:rPr>
+                      <a:rPr lang="en-US" b="0" i="0" smtClean="0">
+                        <a:latin typeface="Cambria Math" panose="02040503050406030204" pitchFamily="18" charset="0"/>
+                      </a:rPr>
+                      <m:t>in</m:t>
+                    </m:r>
+                    <m:r>
+                      <a:rPr lang="en-US" b="0" i="0" smtClean="0">
+                        <a:latin typeface="Cambria Math" panose="02040503050406030204" pitchFamily="18" charset="0"/>
+                      </a:rPr>
+                      <m:t> </m:t>
+                    </m:r>
+                    <m:r>
+                      <m:rPr>
+                        <m:sty m:val="p"/>
+                      </m:rPr>
+                      <a:rPr lang="en-US" b="0" i="0" smtClean="0">
+                        <a:latin typeface="Cambria Math" panose="02040503050406030204" pitchFamily="18" charset="0"/>
+                      </a:rPr>
+                      <m:t>document</m:t>
+                    </m:r>
+                    <m:r>
+                      <a:rPr lang="en-US" b="0" i="0" smtClean="0">
+                        <a:latin typeface="Cambria Math" panose="02040503050406030204" pitchFamily="18" charset="0"/>
+                      </a:rPr>
+                      <m:t> </m:t>
+                    </m:r>
+                    <m:r>
+                      <a:rPr lang="en-US" b="0" i="1" smtClean="0">
+                        <a:latin typeface="Cambria Math" panose="02040503050406030204" pitchFamily="18" charset="0"/>
+                      </a:rPr>
+                      <m:t>𝑑</m:t>
+                    </m:r>
+                  </m:oMath>
+                </a14:m>
+                <a:endParaRPr lang="en-US" i="1" dirty="0" smtClean="0"/>
+              </a:p>
+              <a:p>
+                <a14:m>
+                  <m:oMath xmlns:m="http://schemas.openxmlformats.org/officeDocument/2006/math">
+                    <m:r>
+                      <a:rPr lang="en-US" b="0" i="1" smtClean="0">
+                        <a:latin typeface="Cambria Math" panose="02040503050406030204" pitchFamily="18" charset="0"/>
+                      </a:rPr>
+                      <m:t>𝑡𝑓</m:t>
+                    </m:r>
+                    <m:d>
+                      <m:dPr>
+                        <m:ctrlPr>
+                          <a:rPr lang="en-US" b="0" i="1" smtClean="0">
+                            <a:latin typeface="Cambria Math" panose="02040503050406030204" pitchFamily="18" charset="0"/>
+                          </a:rPr>
+                        </m:ctrlPr>
+                      </m:dPr>
+                      <m:e>
+                        <m:r>
+                          <a:rPr lang="en-US" b="0" i="1" smtClean="0">
+                            <a:latin typeface="Cambria Math" panose="02040503050406030204" pitchFamily="18" charset="0"/>
+                          </a:rPr>
+                          <m:t>𝑡</m:t>
+                        </m:r>
+                        <m:r>
+                          <a:rPr lang="en-US" b="0" i="1" smtClean="0">
+                            <a:latin typeface="Cambria Math" panose="02040503050406030204" pitchFamily="18" charset="0"/>
+                          </a:rPr>
+                          <m:t>,</m:t>
+                        </m:r>
+                        <m:r>
+                          <a:rPr lang="en-US" b="0" i="1" smtClean="0">
+                            <a:latin typeface="Cambria Math" panose="02040503050406030204" pitchFamily="18" charset="0"/>
+                          </a:rPr>
+                          <m:t>𝑑</m:t>
+                        </m:r>
+                      </m:e>
+                    </m:d>
+                    <m:r>
+                      <a:rPr lang="en-US" b="0" i="1" smtClean="0">
+                        <a:latin typeface="Cambria Math" panose="02040503050406030204" pitchFamily="18" charset="0"/>
+                      </a:rPr>
+                      <m:t>=</m:t>
+                    </m:r>
+                    <m:func>
+                      <m:funcPr>
+                        <m:ctrlPr>
+                          <a:rPr lang="en-US" b="0" i="1" smtClean="0">
+                            <a:latin typeface="Cambria Math" panose="02040503050406030204" pitchFamily="18" charset="0"/>
+                          </a:rPr>
+                        </m:ctrlPr>
+                      </m:funcPr>
+                      <m:fName>
+                        <m:r>
+                          <m:rPr>
+                            <m:sty m:val="p"/>
+                          </m:rPr>
+                          <a:rPr lang="en-US" b="0" i="0" smtClean="0">
+                            <a:latin typeface="Cambria Math" panose="02040503050406030204" pitchFamily="18" charset="0"/>
+                          </a:rPr>
+                          <m:t>log</m:t>
+                        </m:r>
+                      </m:fName>
+                      <m:e>
+                        <m:r>
+                          <a:rPr lang="en-US" b="0" i="1" smtClean="0">
+                            <a:latin typeface="Cambria Math" panose="02040503050406030204" pitchFamily="18" charset="0"/>
+                          </a:rPr>
+                          <m:t>(1+</m:t>
+                        </m:r>
+                        <m:r>
+                          <a:rPr lang="en-US" b="0" i="1" smtClean="0">
+                            <a:latin typeface="Cambria Math" panose="02040503050406030204" pitchFamily="18" charset="0"/>
+                          </a:rPr>
+                          <m:t>𝑓</m:t>
+                        </m:r>
+                        <m:d>
+                          <m:dPr>
+                            <m:ctrlPr>
+                              <a:rPr lang="en-US" b="0" i="1" smtClean="0">
+                                <a:latin typeface="Cambria Math" panose="02040503050406030204" pitchFamily="18" charset="0"/>
+                              </a:rPr>
+                            </m:ctrlPr>
+                          </m:dPr>
+                          <m:e>
+                            <m:r>
+                              <a:rPr lang="en-US" b="0" i="1" smtClean="0">
+                                <a:latin typeface="Cambria Math" panose="02040503050406030204" pitchFamily="18" charset="0"/>
+                              </a:rPr>
+                              <m:t>𝑡</m:t>
+                            </m:r>
+                            <m:r>
+                              <a:rPr lang="en-US" b="0" i="1" smtClean="0">
+                                <a:latin typeface="Cambria Math" panose="02040503050406030204" pitchFamily="18" charset="0"/>
+                              </a:rPr>
+                              <m:t>,</m:t>
+                            </m:r>
+                            <m:r>
+                              <a:rPr lang="en-US" b="0" i="1" smtClean="0">
+                                <a:latin typeface="Cambria Math" panose="02040503050406030204" pitchFamily="18" charset="0"/>
+                              </a:rPr>
+                              <m:t>𝑑</m:t>
+                            </m:r>
+                          </m:e>
+                        </m:d>
+                        <m:r>
+                          <a:rPr lang="en-US" b="0" i="1" smtClean="0">
+                            <a:latin typeface="Cambria Math" panose="02040503050406030204" pitchFamily="18" charset="0"/>
+                          </a:rPr>
+                          <m:t>)</m:t>
+                        </m:r>
+                      </m:e>
+                    </m:func>
+                  </m:oMath>
+                </a14:m>
+                <a:endParaRPr lang="en-US" dirty="0" smtClean="0"/>
+              </a:p>
+              <a:p>
+                <a14:m>
+                  <m:oMath xmlns:m="http://schemas.openxmlformats.org/officeDocument/2006/math">
+                    <m:r>
+                      <a:rPr lang="en-US" b="0" i="1" smtClean="0">
+                        <a:latin typeface="Cambria Math" panose="02040503050406030204" pitchFamily="18" charset="0"/>
+                      </a:rPr>
+                      <m:t>𝑖𝑑𝑓</m:t>
+                    </m:r>
+                    <m:d>
+                      <m:dPr>
+                        <m:ctrlPr>
+                          <a:rPr lang="en-US" b="0" i="1" smtClean="0">
+                            <a:latin typeface="Cambria Math" panose="02040503050406030204" pitchFamily="18" charset="0"/>
+                          </a:rPr>
+                        </m:ctrlPr>
+                      </m:dPr>
+                      <m:e>
+                        <m:r>
+                          <a:rPr lang="en-US" b="0" i="1" smtClean="0">
+                            <a:latin typeface="Cambria Math" panose="02040503050406030204" pitchFamily="18" charset="0"/>
+                          </a:rPr>
+                          <m:t>𝑡</m:t>
+                        </m:r>
+                        <m:r>
+                          <a:rPr lang="en-US" b="0" i="1" smtClean="0">
+                            <a:latin typeface="Cambria Math" panose="02040503050406030204" pitchFamily="18" charset="0"/>
+                          </a:rPr>
+                          <m:t>,</m:t>
+                        </m:r>
+                        <m:r>
+                          <a:rPr lang="en-US" b="0" i="1" smtClean="0">
+                            <a:latin typeface="Cambria Math" panose="02040503050406030204" pitchFamily="18" charset="0"/>
+                          </a:rPr>
+                          <m:t>𝐷</m:t>
+                        </m:r>
+                      </m:e>
+                    </m:d>
+                    <m:r>
+                      <a:rPr lang="en-US" b="0" i="1" smtClean="0">
+                        <a:latin typeface="Cambria Math" panose="02040503050406030204" pitchFamily="18" charset="0"/>
+                      </a:rPr>
+                      <m:t>=</m:t>
+                    </m:r>
+                    <m:func>
+                      <m:funcPr>
+                        <m:ctrlPr>
+                          <a:rPr lang="en-US" b="0" i="1" smtClean="0">
+                            <a:latin typeface="Cambria Math" panose="02040503050406030204" pitchFamily="18" charset="0"/>
+                          </a:rPr>
+                        </m:ctrlPr>
+                      </m:funcPr>
+                      <m:fName>
+                        <m:r>
+                          <m:rPr>
+                            <m:sty m:val="p"/>
+                          </m:rPr>
+                          <a:rPr lang="en-US" b="0" i="0" smtClean="0">
+                            <a:latin typeface="Cambria Math" panose="02040503050406030204" pitchFamily="18" charset="0"/>
+                          </a:rPr>
+                          <m:t>log</m:t>
+                        </m:r>
+                      </m:fName>
+                      <m:e>
+                        <m:f>
+                          <m:fPr>
+                            <m:ctrlPr>
+                              <a:rPr lang="en-US" b="0" i="1" smtClean="0">
+                                <a:latin typeface="Cambria Math" panose="02040503050406030204" pitchFamily="18" charset="0"/>
+                              </a:rPr>
+                            </m:ctrlPr>
+                          </m:fPr>
+                          <m:num>
+                            <m:d>
+                              <m:dPr>
+                                <m:begChr m:val="|"/>
+                                <m:endChr m:val="|"/>
+                                <m:ctrlPr>
+                                  <a:rPr lang="en-US" b="0" i="1" smtClean="0">
+                                    <a:latin typeface="Cambria Math" panose="02040503050406030204" pitchFamily="18" charset="0"/>
+                                  </a:rPr>
+                                </m:ctrlPr>
+                              </m:dPr>
+                              <m:e>
+                                <m:r>
+                                  <a:rPr lang="en-US" b="0" i="1" smtClean="0">
+                                    <a:latin typeface="Cambria Math" panose="02040503050406030204" pitchFamily="18" charset="0"/>
+                                  </a:rPr>
+                                  <m:t>𝐷</m:t>
+                                </m:r>
+                              </m:e>
+                            </m:d>
+                          </m:num>
+                          <m:den>
+                            <m:d>
+                              <m:dPr>
+                                <m:begChr m:val="|"/>
+                                <m:endChr m:val="|"/>
+                                <m:ctrlPr>
+                                  <a:rPr lang="en-US" b="0" i="1" smtClean="0">
+                                    <a:latin typeface="Cambria Math" panose="02040503050406030204" pitchFamily="18" charset="0"/>
+                                  </a:rPr>
+                                </m:ctrlPr>
+                              </m:dPr>
+                              <m:e>
+                                <m:d>
+                                  <m:dPr>
+                                    <m:begChr m:val="{"/>
+                                    <m:endChr m:val="}"/>
+                                    <m:ctrlPr>
+                                      <a:rPr lang="en-US" b="0" i="1" smtClean="0">
+                                        <a:latin typeface="Cambria Math" panose="02040503050406030204" pitchFamily="18" charset="0"/>
+                                      </a:rPr>
+                                    </m:ctrlPr>
+                                  </m:dPr>
+                                  <m:e>
+                                    <m:r>
+                                      <a:rPr lang="en-US" b="0" i="1" smtClean="0">
+                                        <a:latin typeface="Cambria Math" panose="02040503050406030204" pitchFamily="18" charset="0"/>
+                                      </a:rPr>
+                                      <m:t>𝑑</m:t>
+                                    </m:r>
+                                    <m:r>
+                                      <a:rPr lang="en-US" b="0" i="1" smtClean="0">
+                                        <a:latin typeface="Cambria Math" panose="02040503050406030204" pitchFamily="18" charset="0"/>
+                                        <a:ea typeface="Cambria Math" panose="02040503050406030204" pitchFamily="18" charset="0"/>
+                                      </a:rPr>
+                                      <m:t>∈</m:t>
+                                    </m:r>
+                                    <m:r>
+                                      <a:rPr lang="en-US" b="0" i="1" smtClean="0">
+                                        <a:latin typeface="Cambria Math" panose="02040503050406030204" pitchFamily="18" charset="0"/>
+                                        <a:ea typeface="Cambria Math" panose="02040503050406030204" pitchFamily="18" charset="0"/>
+                                      </a:rPr>
+                                      <m:t>𝐷</m:t>
+                                    </m:r>
+                                    <m:r>
+                                      <a:rPr lang="en-US" b="0" i="1" smtClean="0">
+                                        <a:latin typeface="Cambria Math" panose="02040503050406030204" pitchFamily="18" charset="0"/>
+                                        <a:ea typeface="Cambria Math" panose="02040503050406030204" pitchFamily="18" charset="0"/>
+                                      </a:rPr>
+                                      <m:t> :</m:t>
+                                    </m:r>
+                                    <m:r>
+                                      <a:rPr lang="en-US" b="0" i="1" smtClean="0">
+                                        <a:latin typeface="Cambria Math" panose="02040503050406030204" pitchFamily="18" charset="0"/>
+                                        <a:ea typeface="Cambria Math" panose="02040503050406030204" pitchFamily="18" charset="0"/>
+                                      </a:rPr>
+                                      <m:t>𝑡</m:t>
+                                    </m:r>
+                                    <m:r>
+                                      <a:rPr lang="en-US" b="0" i="1" smtClean="0">
+                                        <a:latin typeface="Cambria Math" panose="02040503050406030204" pitchFamily="18" charset="0"/>
+                                        <a:ea typeface="Cambria Math" panose="02040503050406030204" pitchFamily="18" charset="0"/>
+                                      </a:rPr>
+                                      <m:t>∈</m:t>
+                                    </m:r>
+                                    <m:r>
+                                      <a:rPr lang="en-US" b="0" i="1" smtClean="0">
+                                        <a:latin typeface="Cambria Math" panose="02040503050406030204" pitchFamily="18" charset="0"/>
+                                        <a:ea typeface="Cambria Math" panose="02040503050406030204" pitchFamily="18" charset="0"/>
+                                      </a:rPr>
+                                      <m:t>𝑑</m:t>
+                                    </m:r>
+                                  </m:e>
+                                </m:d>
+                              </m:e>
+                            </m:d>
+                          </m:den>
+                        </m:f>
+                      </m:e>
+                    </m:func>
+                  </m:oMath>
+                </a14:m>
+                <a:endParaRPr lang="en-US" dirty="0" smtClean="0"/>
+              </a:p>
+              <a:p>
+                <a14:m>
+                  <m:oMath xmlns:m="http://schemas.openxmlformats.org/officeDocument/2006/math">
+                    <m:r>
+                      <a:rPr lang="en-US" b="0" i="1" smtClean="0">
+                        <a:latin typeface="Cambria Math" panose="02040503050406030204" pitchFamily="18" charset="0"/>
+                      </a:rPr>
+                      <m:t>𝑡𝑓𝑖𝑑𝑓</m:t>
+                    </m:r>
+                    <m:d>
+                      <m:dPr>
+                        <m:ctrlPr>
+                          <a:rPr lang="en-US" b="0" i="1" smtClean="0">
+                            <a:latin typeface="Cambria Math" panose="02040503050406030204" pitchFamily="18" charset="0"/>
+                          </a:rPr>
+                        </m:ctrlPr>
+                      </m:dPr>
+                      <m:e>
+                        <m:r>
+                          <a:rPr lang="en-US" b="0" i="1" smtClean="0">
+                            <a:latin typeface="Cambria Math" panose="02040503050406030204" pitchFamily="18" charset="0"/>
+                          </a:rPr>
+                          <m:t>𝑡</m:t>
+                        </m:r>
+                        <m:r>
+                          <a:rPr lang="en-US" b="0" i="1" smtClean="0">
+                            <a:latin typeface="Cambria Math" panose="02040503050406030204" pitchFamily="18" charset="0"/>
+                          </a:rPr>
+                          <m:t>,</m:t>
+                        </m:r>
+                        <m:r>
+                          <a:rPr lang="en-US" b="0" i="1" smtClean="0">
+                            <a:latin typeface="Cambria Math" panose="02040503050406030204" pitchFamily="18" charset="0"/>
+                          </a:rPr>
+                          <m:t>𝑑</m:t>
+                        </m:r>
+                        <m:r>
+                          <a:rPr lang="en-US" b="0" i="1" smtClean="0">
+                            <a:latin typeface="Cambria Math" panose="02040503050406030204" pitchFamily="18" charset="0"/>
+                          </a:rPr>
+                          <m:t>,</m:t>
+                        </m:r>
+                        <m:r>
+                          <a:rPr lang="en-US" b="0" i="1" smtClean="0">
+                            <a:latin typeface="Cambria Math" panose="02040503050406030204" pitchFamily="18" charset="0"/>
+                          </a:rPr>
+                          <m:t>𝐷</m:t>
+                        </m:r>
+                      </m:e>
+                    </m:d>
+                    <m:r>
+                      <a:rPr lang="en-US" b="0" i="1" smtClean="0">
+                        <a:latin typeface="Cambria Math" panose="02040503050406030204" pitchFamily="18" charset="0"/>
+                      </a:rPr>
+                      <m:t>=</m:t>
+                    </m:r>
+                    <m:r>
+                      <a:rPr lang="en-US" b="0" i="1" smtClean="0">
+                        <a:latin typeface="Cambria Math" panose="02040503050406030204" pitchFamily="18" charset="0"/>
+                      </a:rPr>
+                      <m:t>𝑡𝑓</m:t>
+                    </m:r>
+                    <m:d>
+                      <m:dPr>
+                        <m:ctrlPr>
+                          <a:rPr lang="en-US" b="0" i="1" smtClean="0">
+                            <a:latin typeface="Cambria Math" panose="02040503050406030204" pitchFamily="18" charset="0"/>
+                          </a:rPr>
+                        </m:ctrlPr>
+                      </m:dPr>
+                      <m:e>
+                        <m:r>
+                          <a:rPr lang="en-US" b="0" i="1" smtClean="0">
+                            <a:latin typeface="Cambria Math" panose="02040503050406030204" pitchFamily="18" charset="0"/>
+                          </a:rPr>
+                          <m:t>𝑡</m:t>
+                        </m:r>
+                        <m:r>
+                          <a:rPr lang="en-US" b="0" i="1" smtClean="0">
+                            <a:latin typeface="Cambria Math" panose="02040503050406030204" pitchFamily="18" charset="0"/>
+                          </a:rPr>
+                          <m:t>,</m:t>
+                        </m:r>
+                        <m:r>
+                          <a:rPr lang="en-US" b="0" i="1" smtClean="0">
+                            <a:latin typeface="Cambria Math" panose="02040503050406030204" pitchFamily="18" charset="0"/>
+                          </a:rPr>
+                          <m:t>𝑑</m:t>
+                        </m:r>
+                      </m:e>
+                    </m:d>
+                    <m:r>
+                      <a:rPr lang="en-US" b="0" i="1" smtClean="0">
+                        <a:latin typeface="Cambria Math" panose="02040503050406030204" pitchFamily="18" charset="0"/>
+                        <a:ea typeface="Cambria Math" panose="02040503050406030204" pitchFamily="18" charset="0"/>
+                      </a:rPr>
+                      <m:t>×</m:t>
+                    </m:r>
+                    <m:r>
+                      <a:rPr lang="en-US" b="0" i="1" smtClean="0">
+                        <a:latin typeface="Cambria Math" panose="02040503050406030204" pitchFamily="18" charset="0"/>
+                      </a:rPr>
+                      <m:t>𝑖𝑑𝑓</m:t>
+                    </m:r>
+                    <m:r>
+                      <a:rPr lang="en-US" b="0" i="1" smtClean="0">
+                        <a:latin typeface="Cambria Math" panose="02040503050406030204" pitchFamily="18" charset="0"/>
+                      </a:rPr>
+                      <m:t>(</m:t>
+                    </m:r>
+                    <m:r>
+                      <a:rPr lang="en-US" b="0" i="1" smtClean="0">
+                        <a:latin typeface="Cambria Math" panose="02040503050406030204" pitchFamily="18" charset="0"/>
+                      </a:rPr>
+                      <m:t>𝑡</m:t>
+                    </m:r>
+                    <m:r>
+                      <a:rPr lang="en-US" b="0" i="1" smtClean="0">
+                        <a:latin typeface="Cambria Math" panose="02040503050406030204" pitchFamily="18" charset="0"/>
+                      </a:rPr>
+                      <m:t>,</m:t>
+                    </m:r>
+                    <m:r>
+                      <a:rPr lang="en-US" b="0" i="1" smtClean="0">
+                        <a:latin typeface="Cambria Math" panose="02040503050406030204" pitchFamily="18" charset="0"/>
+                      </a:rPr>
+                      <m:t>𝐷</m:t>
+                    </m:r>
+                    <m:r>
+                      <a:rPr lang="en-US" b="0" i="1" smtClean="0">
+                        <a:latin typeface="Cambria Math" panose="02040503050406030204" pitchFamily="18" charset="0"/>
+                      </a:rPr>
+                      <m:t>)</m:t>
+                    </m:r>
+                  </m:oMath>
+                </a14:m>
+                <a:endParaRPr lang="en-US" dirty="0" smtClean="0"/>
+              </a:p>
+              <a:p>
+                <a:r>
+                  <a:rPr lang="en-US" dirty="0" smtClean="0"/>
+                  <a:t>A high TF-IDF score means that the term (word) and the document (concept/Wikipedia article) are related.</a:t>
+                </a:r>
+                <a:endParaRPr lang="en-US" dirty="0"/>
+              </a:p>
+            </p:txBody>
+          </p:sp>
+        </mc:Choice>
+        <mc:Fallback>
+          <p:sp>
+            <p:nvSpPr>
+              <p:cNvPr id="3" name="Content Placeholder 2"/>
+              <p:cNvSpPr>
+                <a:spLocks noGrp="1" noRot="1" noChangeAspect="1" noMove="1" noResize="1" noEditPoints="1" noAdjustHandles="1" noChangeArrowheads="1" noChangeShapeType="1" noTextEdit="1"/>
+              </p:cNvSpPr>
+              <p:nvPr>
+                <p:ph idx="1"/>
+              </p:nvPr>
+            </p:nvSpPr>
+            <p:spPr>
+              <a:blipFill rotWithShape="0">
+                <a:blip r:embed="rId2"/>
+                <a:stretch>
+                  <a:fillRect l="-189" t="-980"/>
+                </a:stretch>
+              </a:blipFill>
+            </p:spPr>
+            <p:txBody>
+              <a:bodyPr/>
+              <a:lstStyle/>
+              <a:p>
+                <a:r>
+                  <a:rPr lang="en-US">
+                    <a:noFill/>
+                  </a:rPr>
+                  <a:t> </a:t>
+                </a:r>
+              </a:p>
+            </p:txBody>
+          </p:sp>
+        </mc:Fallback>
+      </mc:AlternateContent>
     </p:spTree>
     <p:extLst>
       <p:ext uri="{BB962C8B-B14F-4D97-AF65-F5344CB8AC3E}">
-        <p14:creationId xmlns:p14="http://schemas.microsoft.com/office/powerpoint/2010/main" val="2869978648"/>
+        <p14:creationId xmlns:p14="http://schemas.microsoft.com/office/powerpoint/2010/main" val="1427312504"/>
       </p:ext>
     </p:extLst>
   </p:cSld>
@@ -4389,7 +5566,7 @@
           <a:p>
             <a:r>
               <a:rPr lang="en-US" dirty="0" smtClean="0"/>
-              <a:t>Top N Concepts</a:t>
+              <a:t>Algorithm (cont’d.)</a:t>
             </a:r>
             <a:endParaRPr lang="en-US" dirty="0"/>
           </a:p>
@@ -4405,19 +5582,40 @@
             <p:ph idx="1"/>
           </p:nvPr>
         </p:nvSpPr>
-        <p:spPr/>
-        <p:txBody>
-          <a:bodyPr/>
-          <a:lstStyle/>
-          <a:p>
-            <a:endParaRPr lang="en-US"/>
+        <p:spPr>
+          <a:xfrm>
+            <a:off x="946404" y="1828801"/>
+            <a:ext cx="6684482" cy="4351337"/>
+          </a:xfrm>
+        </p:spPr>
+        <p:txBody>
+          <a:bodyPr>
+            <a:normAutofit/>
+          </a:bodyPr>
+          <a:lstStyle/>
+          <a:p>
+            <a:r>
+              <a:rPr lang="en-US" sz="2400" dirty="0"/>
+              <a:t>Create an inverted index, mapping words to concept vectors, as an SQLite database. Words not found in an English dictionary, and word-concept pairs with TF-IDF scores below a certain threshold, are rejected</a:t>
+            </a:r>
+            <a:r>
+              <a:rPr lang="en-US" sz="2400" dirty="0" smtClean="0"/>
+              <a:t>.</a:t>
+            </a:r>
+          </a:p>
+          <a:p>
+            <a:r>
+              <a:rPr lang="en-US" sz="2400" dirty="0" smtClean="0"/>
+              <a:t>To compare two phrases, query the database for their concept vectors (the sum of the vectors for each word in the phrase), and calculate the cosine similarity.</a:t>
+            </a:r>
+            <a:endParaRPr lang="en-US" sz="2400" dirty="0"/>
           </a:p>
         </p:txBody>
       </p:sp>
     </p:spTree>
     <p:extLst>
       <p:ext uri="{BB962C8B-B14F-4D97-AF65-F5344CB8AC3E}">
-        <p14:creationId xmlns:p14="http://schemas.microsoft.com/office/powerpoint/2010/main" val="4206926652"/>
+        <p14:creationId xmlns:p14="http://schemas.microsoft.com/office/powerpoint/2010/main" val="1988310702"/>
       </p:ext>
     </p:extLst>
   </p:cSld>
@@ -4456,14 +5654,16 @@
         </p:nvSpPr>
         <p:spPr/>
         <p:txBody>
-          <a:bodyPr/>
-          <a:lstStyle/>
-          <a:p>
-            <a:r>
-              <a:rPr lang="en-US" dirty="0" smtClean="0"/>
-              <a:t>Example Queries</a:t>
-            </a:r>
-            <a:endParaRPr lang="en-US" dirty="0"/>
+          <a:bodyPr>
+            <a:normAutofit/>
+          </a:bodyPr>
+          <a:lstStyle/>
+          <a:p>
+            <a:r>
+              <a:rPr lang="en-US" sz="3600" dirty="0" smtClean="0"/>
+              <a:t>Reverse Dictionary Applications</a:t>
+            </a:r>
+            <a:endParaRPr lang="en-US" sz="3600" dirty="0"/>
           </a:p>
         </p:txBody>
       </p:sp>
@@ -4477,19 +5677,124 @@
             <p:ph idx="1"/>
           </p:nvPr>
         </p:nvSpPr>
-        <p:spPr/>
-        <p:txBody>
-          <a:bodyPr/>
-          <a:lstStyle/>
-          <a:p>
-            <a:endParaRPr lang="en-US"/>
+        <p:spPr>
+          <a:xfrm>
+            <a:off x="946404" y="1828801"/>
+            <a:ext cx="6586510" cy="4351337"/>
+          </a:xfrm>
+        </p:spPr>
+        <p:txBody>
+          <a:bodyPr>
+            <a:normAutofit/>
+          </a:bodyPr>
+          <a:lstStyle/>
+          <a:p>
+            <a:r>
+              <a:rPr lang="en-US" sz="2400" dirty="0" smtClean="0"/>
+              <a:t>Enter related words to find a word that slipped your mind</a:t>
+            </a:r>
+          </a:p>
+          <a:p>
+            <a:pPr lvl="1">
+              <a:buFont typeface="Courier New" panose="02070309020205020404" pitchFamily="49" charset="0"/>
+              <a:buChar char="o"/>
+            </a:pPr>
+            <a:r>
+              <a:rPr lang="en-US" sz="2000" dirty="0"/>
+              <a:t>What is </a:t>
+            </a:r>
+            <a:r>
+              <a:rPr lang="en-US" sz="2000" dirty="0" smtClean="0"/>
+              <a:t>“the </a:t>
+            </a:r>
+            <a:r>
+              <a:rPr lang="en-US" sz="2000" dirty="0"/>
+              <a:t>phenomenon by which plants prepare food using sunlight and carbon </a:t>
+            </a:r>
+            <a:r>
+              <a:rPr lang="en-US" sz="2000" dirty="0" smtClean="0"/>
+              <a:t>dioxide” </a:t>
+            </a:r>
+            <a:r>
+              <a:rPr lang="en-US" sz="2000" dirty="0"/>
+              <a:t>called?</a:t>
+            </a:r>
+          </a:p>
+          <a:p>
+            <a:pPr lvl="1">
+              <a:buFont typeface="Courier New" panose="02070309020205020404" pitchFamily="49" charset="0"/>
+              <a:buChar char="o"/>
+            </a:pPr>
+            <a:r>
+              <a:rPr lang="en-US" sz="2000" dirty="0"/>
+              <a:t>What is </a:t>
+            </a:r>
+            <a:r>
+              <a:rPr lang="en-US" sz="2000" dirty="0" smtClean="0"/>
+              <a:t>“the </a:t>
+            </a:r>
+            <a:r>
+              <a:rPr lang="en-US" sz="2000" dirty="0"/>
+              <a:t>algorithm for fast matrix </a:t>
+            </a:r>
+            <a:r>
+              <a:rPr lang="en-US" sz="2000" dirty="0" smtClean="0"/>
+              <a:t>multiplication” </a:t>
+            </a:r>
+            <a:r>
+              <a:rPr lang="en-US" sz="2000" dirty="0"/>
+              <a:t>called</a:t>
+            </a:r>
+            <a:r>
+              <a:rPr lang="en-US" sz="2000" dirty="0" smtClean="0"/>
+              <a:t>?</a:t>
+            </a:r>
+          </a:p>
+          <a:p>
+            <a:r>
+              <a:rPr lang="en-US" sz="2200" dirty="0" smtClean="0"/>
+              <a:t>Surprisingly few other tools:</a:t>
+            </a:r>
+          </a:p>
+          <a:p>
+            <a:pPr lvl="1">
+              <a:buFont typeface="Courier New" panose="02070309020205020404" pitchFamily="49" charset="0"/>
+              <a:buChar char="o"/>
+            </a:pPr>
+            <a:r>
+              <a:rPr lang="en-US" sz="2000" dirty="0" err="1" smtClean="0"/>
+              <a:t>OneLook</a:t>
+            </a:r>
+            <a:r>
+              <a:rPr lang="en-US" sz="2000" dirty="0"/>
+              <a:t> &lt;</a:t>
+            </a:r>
+            <a:r>
+              <a:rPr lang="en-US" sz="2000" dirty="0" smtClean="0"/>
+              <a:t>onelook.com/reverse-dictionary.shtml&gt;</a:t>
+            </a:r>
+          </a:p>
+          <a:p>
+            <a:pPr lvl="1">
+              <a:buFont typeface="Courier New" panose="02070309020205020404" pitchFamily="49" charset="0"/>
+              <a:buChar char="o"/>
+            </a:pPr>
+            <a:r>
+              <a:rPr lang="en-US" sz="2000" dirty="0"/>
+              <a:t>Dictionary.com &lt;</a:t>
+            </a:r>
+            <a:r>
+              <a:rPr lang="en-US" sz="2000" dirty="0" smtClean="0"/>
+              <a:t>reference.com/reverse&gt;</a:t>
+            </a:r>
+            <a:endParaRPr lang="en-US" sz="2000" dirty="0"/>
           </a:p>
         </p:txBody>
       </p:sp>
     </p:spTree>
     <p:extLst>
       <p:ext uri="{BB962C8B-B14F-4D97-AF65-F5344CB8AC3E}">
-        <p14:creationId xmlns:p14="http://schemas.microsoft.com/office/powerpoint/2010/main" val="2539476297"/>
+        <p14:creationId xmlns:p14="http://schemas.microsoft.com/office/powerpoint/2010/main" val="4206926652"/>
       </p:ext>
     </p:extLst>
   </p:cSld>

--- a/final/doc/presentation.pptx
+++ b/final/doc/presentation.pptx
@@ -3576,11 +3576,7 @@
           <a:p>
             <a:r>
               <a:rPr lang="en-US" sz="3600" dirty="0" smtClean="0"/>
-              <a:t>Semantic </a:t>
-            </a:r>
-            <a:r>
-              <a:rPr lang="en-US" sz="3600" dirty="0" smtClean="0"/>
-              <a:t>Relatedness Applications</a:t>
+              <a:t>Semantic Relatedness Applications</a:t>
             </a:r>
             <a:endParaRPr lang="en-US" sz="3600" dirty="0"/>
           </a:p>
@@ -4135,11 +4131,7 @@
                     <a:p>
                       <a:r>
                         <a:rPr lang="en-US" dirty="0" smtClean="0"/>
-                        <a:t>0.19</a:t>
-                      </a:r>
-                      <a:r>
-                        <a:rPr lang="en-US" dirty="0" smtClean="0"/>
-                        <a:t>–0.48</a:t>
+                        <a:t>0.19–0.48</a:t>
                       </a:r>
                       <a:endParaRPr lang="en-US" dirty="0"/>
                     </a:p>
@@ -4353,7 +4345,6 @@
               <a:rPr lang="en-US" sz="2400" dirty="0" smtClean="0"/>
               <a:t>An improved measure of semantic relatedness between two words or phrases</a:t>
             </a:r>
-            <a:endParaRPr lang="en-US" sz="2400" dirty="0" smtClean="0"/>
           </a:p>
           <a:p>
             <a:endParaRPr lang="en-US" sz="2400" dirty="0"/>
@@ -4881,8 +4872,8 @@
           </a:p>
         </p:txBody>
       </p:sp>
-      <mc:AlternateContent xmlns:mc="http://schemas.openxmlformats.org/markup-compatibility/2006">
-        <mc:Choice xmlns:a14="http://schemas.microsoft.com/office/drawing/2010/main" Requires="a14">
+      <mc:AlternateContent xmlns:mc="http://schemas.openxmlformats.org/markup-compatibility/2006" xmlns:a14="http://schemas.microsoft.com/office/drawing/2010/main">
+        <mc:Choice Requires="a14">
           <p:sp>
             <p:nvSpPr>
               <p:cNvPr id="3" name="Content Placeholder 2"/>
@@ -5485,7 +5476,7 @@
             </p:txBody>
           </p:sp>
         </mc:Choice>
-        <mc:Fallback>
+        <mc:Fallback xmlns="">
           <p:sp>
             <p:nvSpPr>
               <p:cNvPr id="3" name="Content Placeholder 2"/>
@@ -5785,7 +5776,33 @@
             </a:r>
             <a:r>
               <a:rPr lang="en-US" sz="2000" dirty="0" smtClean="0"/>
-              <a:t>reference.com/reverse&gt;</a:t>
+              <a:t>reference.com/reverse</a:t>
+            </a:r>
+            <a:r>
+              <a:rPr lang="en-US" sz="2000" dirty="0" smtClean="0"/>
+              <a:t>&gt;</a:t>
+            </a:r>
+          </a:p>
+          <a:p>
+            <a:pPr lvl="1">
+              <a:buFont typeface="Courier New" panose="02070309020205020404" pitchFamily="49" charset="0"/>
+              <a:buChar char="o"/>
+            </a:pPr>
+            <a:r>
+              <a:rPr lang="en-US" sz="2000" dirty="0"/>
+              <a:t>Reverse Dictionary &lt;</a:t>
+            </a:r>
+            <a:r>
+              <a:rPr lang="en-US" sz="2000" dirty="0" smtClean="0"/>
+              <a:t>worddictionary.com.au/reverse-</a:t>
+            </a:r>
+            <a:r>
+              <a:rPr lang="en-US" sz="2000" dirty="0" err="1" smtClean="0"/>
+              <a:t>dictionary.php</a:t>
+            </a:r>
+            <a:r>
+              <a:rPr lang="en-US" sz="2000" smtClean="0"/>
+              <a:t>&gt;</a:t>
             </a:r>
             <a:endParaRPr lang="en-US" sz="2000" dirty="0"/>
           </a:p>
